--- a/in_class_slides/geog4300_W06-1 Probability and ZT scores.pptx
+++ b/in_class_slides/geog4300_W06-1 Probability and ZT scores.pptx
@@ -5,18 +5,21 @@
     <p:sldMasterId id="2147483660" r:id="rId1"/>
   </p:sldMasterIdLst>
   <p:notesMasterIdLst>
-    <p:notesMasterId r:id="rId11"/>
+    <p:notesMasterId r:id="rId14"/>
   </p:notesMasterIdLst>
   <p:sldIdLst>
     <p:sldId id="256" r:id="rId2"/>
     <p:sldId id="257" r:id="rId3"/>
     <p:sldId id="258" r:id="rId4"/>
     <p:sldId id="260" r:id="rId5"/>
-    <p:sldId id="261" r:id="rId6"/>
-    <p:sldId id="259" r:id="rId7"/>
-    <p:sldId id="262" r:id="rId8"/>
-    <p:sldId id="263" r:id="rId9"/>
-    <p:sldId id="264" r:id="rId10"/>
+    <p:sldId id="265" r:id="rId6"/>
+    <p:sldId id="261" r:id="rId7"/>
+    <p:sldId id="259" r:id="rId8"/>
+    <p:sldId id="262" r:id="rId9"/>
+    <p:sldId id="263" r:id="rId10"/>
+    <p:sldId id="264" r:id="rId11"/>
+    <p:sldId id="266" r:id="rId12"/>
+    <p:sldId id="267" r:id="rId13"/>
   </p:sldIdLst>
   <p:sldSz cx="12192000" cy="6858000"/>
   <p:notesSz cx="6858000" cy="9144000"/>
@@ -6498,6 +6501,832 @@
 </p:sld>
 </file>
 
+<file path=ppt/slides/slide10.xml><?xml version="1.0" encoding="utf-8"?>
+<p:sld xmlns:a="http://schemas.openxmlformats.org/drawingml/2006/main" xmlns:r="http://schemas.openxmlformats.org/officeDocument/2006/relationships" xmlns:p="http://schemas.openxmlformats.org/presentationml/2006/main">
+  <p:cSld>
+    <p:spTree>
+      <p:nvGrpSpPr>
+        <p:cNvPr id="1" name=""/>
+        <p:cNvGrpSpPr/>
+        <p:nvPr/>
+      </p:nvGrpSpPr>
+      <p:grpSpPr>
+        <a:xfrm>
+          <a:off x="0" y="0"/>
+          <a:ext cx="0" cy="0"/>
+          <a:chOff x="0" y="0"/>
+          <a:chExt cx="0" cy="0"/>
+        </a:xfrm>
+      </p:grpSpPr>
+      <p:sp>
+        <p:nvSpPr>
+          <p:cNvPr id="7" name="Shape 338">
+            <a:extLst>
+              <a:ext uri="{FF2B5EF4-FFF2-40B4-BE49-F238E27FC236}">
+                <a16:creationId xmlns:a16="http://schemas.microsoft.com/office/drawing/2014/main" id="{C8CF6D31-CFEF-414A-A3C6-C4D4B311EE1D}"/>
+              </a:ext>
+            </a:extLst>
+          </p:cNvPr>
+          <p:cNvSpPr txBox="1"/>
+          <p:nvPr/>
+        </p:nvSpPr>
+        <p:spPr>
+          <a:xfrm>
+            <a:off x="415902" y="465137"/>
+            <a:ext cx="7702594" cy="707886"/>
+          </a:xfrm>
+          <a:prstGeom prst="rect">
+            <a:avLst/>
+          </a:prstGeom>
+          <a:noFill/>
+          <a:ln>
+            <a:noFill/>
+          </a:ln>
+        </p:spPr>
+        <p:txBody>
+          <a:bodyPr lIns="91425" tIns="45700" rIns="91425" bIns="45700" anchor="t" anchorCtr="0">
+            <a:noAutofit/>
+          </a:bodyPr>
+          <a:lstStyle/>
+          <a:p>
+            <a:pPr marL="0" marR="0" lvl="0" indent="0" algn="l" rtl="0">
+              <a:spcBef>
+                <a:spcPts val="0"/>
+              </a:spcBef>
+              <a:buSzPct val="25000"/>
+              <a:buNone/>
+            </a:pPr>
+            <a:r>
+              <a:rPr lang="en-US" sz="4000" dirty="0">
+                <a:latin typeface="+mj-lt"/>
+                <a:sym typeface="Arial"/>
+              </a:rPr>
+              <a:t>Concept check</a:t>
+            </a:r>
+          </a:p>
+        </p:txBody>
+      </p:sp>
+      <p:sp>
+        <p:nvSpPr>
+          <p:cNvPr id="8" name="Shape 339">
+            <a:extLst>
+              <a:ext uri="{FF2B5EF4-FFF2-40B4-BE49-F238E27FC236}">
+                <a16:creationId xmlns:a16="http://schemas.microsoft.com/office/drawing/2014/main" id="{BEEF42FD-F6CF-4516-A115-7EB2D4873A93}"/>
+              </a:ext>
+            </a:extLst>
+          </p:cNvPr>
+          <p:cNvSpPr txBox="1"/>
+          <p:nvPr/>
+        </p:nvSpPr>
+        <p:spPr>
+          <a:xfrm>
+            <a:off x="649703" y="1295400"/>
+            <a:ext cx="6178935" cy="4832092"/>
+          </a:xfrm>
+          <a:prstGeom prst="rect">
+            <a:avLst/>
+          </a:prstGeom>
+          <a:noFill/>
+          <a:ln>
+            <a:noFill/>
+          </a:ln>
+        </p:spPr>
+        <p:txBody>
+          <a:bodyPr lIns="91425" tIns="45700" rIns="91425" bIns="45700" anchor="t" anchorCtr="0">
+            <a:noAutofit/>
+          </a:bodyPr>
+          <a:lstStyle/>
+          <a:p>
+            <a:pPr marL="0" marR="0" lvl="0" indent="0" algn="l" rtl="0">
+              <a:spcBef>
+                <a:spcPts val="0"/>
+              </a:spcBef>
+              <a:buSzPct val="25000"/>
+              <a:buNone/>
+            </a:pPr>
+            <a:r>
+              <a:rPr lang="en-US" sz="2800" dirty="0">
+                <a:sym typeface="Arial"/>
+              </a:rPr>
+              <a:t>The town of </a:t>
+            </a:r>
+            <a:r>
+              <a:rPr lang="en-US" sz="2800" dirty="0" err="1">
+                <a:sym typeface="Arial"/>
+              </a:rPr>
+              <a:t>Chewandswallow</a:t>
+            </a:r>
+            <a:r>
+              <a:rPr lang="en-US" sz="2800" dirty="0">
+                <a:sym typeface="Arial"/>
+              </a:rPr>
+              <a:t> receives random spaghetti storms two days out of every week on average.  </a:t>
+            </a:r>
+          </a:p>
+          <a:p>
+            <a:pPr marL="0" marR="0" lvl="0" indent="0" algn="l" rtl="0">
+              <a:spcBef>
+                <a:spcPts val="0"/>
+              </a:spcBef>
+              <a:buNone/>
+            </a:pPr>
+            <a:endParaRPr sz="2800" dirty="0">
+              <a:sym typeface="Arial"/>
+            </a:endParaRPr>
+          </a:p>
+          <a:p>
+            <a:pPr marL="0" marR="0" lvl="0" indent="0" algn="l" rtl="0">
+              <a:spcBef>
+                <a:spcPts val="0"/>
+              </a:spcBef>
+              <a:buSzPct val="25000"/>
+              <a:buNone/>
+            </a:pPr>
+            <a:r>
+              <a:rPr lang="en-US" sz="2800" dirty="0">
+                <a:sym typeface="Arial"/>
+              </a:rPr>
+              <a:t>A neighborhood group is planning an Italian picnic. What is the chance it will receive three storms in the week prior to this event, so they won’t have to cook?</a:t>
+            </a:r>
+          </a:p>
+        </p:txBody>
+      </p:sp>
+      <p:pic>
+        <p:nvPicPr>
+          <p:cNvPr id="9" name="Shape 340" descr="File:Cloudy with a Chance of Meatballs (book).jpg">
+            <a:extLst>
+              <a:ext uri="{FF2B5EF4-FFF2-40B4-BE49-F238E27FC236}">
+                <a16:creationId xmlns:a16="http://schemas.microsoft.com/office/drawing/2014/main" id="{0057F160-C6C9-40D1-AEF5-D08F15A75FAD}"/>
+              </a:ext>
+            </a:extLst>
+          </p:cNvPr>
+          <p:cNvPicPr preferRelativeResize="0"/>
+          <p:nvPr/>
+        </p:nvPicPr>
+        <p:blipFill rotWithShape="1">
+          <a:blip r:embed="rId2">
+            <a:alphaModFix/>
+          </a:blip>
+          <a:srcRect/>
+          <a:stretch/>
+        </p:blipFill>
+        <p:spPr>
+          <a:xfrm>
+            <a:off x="7910819" y="137965"/>
+            <a:ext cx="3637820" cy="3175685"/>
+          </a:xfrm>
+          <a:prstGeom prst="rect">
+            <a:avLst/>
+          </a:prstGeom>
+          <a:noFill/>
+          <a:ln>
+            <a:noFill/>
+          </a:ln>
+        </p:spPr>
+      </p:pic>
+      <p:pic>
+        <p:nvPicPr>
+          <p:cNvPr id="10" name="Shape 341">
+            <a:extLst>
+              <a:ext uri="{FF2B5EF4-FFF2-40B4-BE49-F238E27FC236}">
+                <a16:creationId xmlns:a16="http://schemas.microsoft.com/office/drawing/2014/main" id="{5F41CE7D-C077-4779-B965-9087476E79CF}"/>
+              </a:ext>
+            </a:extLst>
+          </p:cNvPr>
+          <p:cNvPicPr preferRelativeResize="0"/>
+          <p:nvPr/>
+        </p:nvPicPr>
+        <p:blipFill rotWithShape="1">
+          <a:blip r:embed="rId3">
+            <a:alphaModFix/>
+          </a:blip>
+          <a:srcRect/>
+          <a:stretch/>
+        </p:blipFill>
+        <p:spPr>
+          <a:xfrm>
+            <a:off x="8118496" y="4165134"/>
+            <a:ext cx="2971799" cy="1463655"/>
+          </a:xfrm>
+          <a:prstGeom prst="rect">
+            <a:avLst/>
+          </a:prstGeom>
+          <a:solidFill>
+            <a:schemeClr val="lt1"/>
+          </a:solidFill>
+          <a:ln w="9525" cap="flat" cmpd="sng">
+            <a:solidFill>
+              <a:srgbClr val="C00000"/>
+            </a:solidFill>
+            <a:prstDash val="solid"/>
+            <a:miter/>
+            <a:headEnd type="none" w="med" len="med"/>
+            <a:tailEnd type="none" w="med" len="med"/>
+          </a:ln>
+        </p:spPr>
+      </p:pic>
+    </p:spTree>
+    <p:extLst>
+      <p:ext uri="{BB962C8B-B14F-4D97-AF65-F5344CB8AC3E}">
+        <p14:creationId xmlns:p14="http://schemas.microsoft.com/office/powerpoint/2010/main" val="3457319604"/>
+      </p:ext>
+    </p:extLst>
+  </p:cSld>
+  <p:clrMapOvr>
+    <a:masterClrMapping/>
+  </p:clrMapOvr>
+</p:sld>
+</file>
+
+<file path=ppt/slides/slide11.xml><?xml version="1.0" encoding="utf-8"?>
+<p:sld xmlns:a="http://schemas.openxmlformats.org/drawingml/2006/main" xmlns:r="http://schemas.openxmlformats.org/officeDocument/2006/relationships" xmlns:p="http://schemas.openxmlformats.org/presentationml/2006/main">
+  <p:cSld>
+    <p:spTree>
+      <p:nvGrpSpPr>
+        <p:cNvPr id="1" name=""/>
+        <p:cNvGrpSpPr/>
+        <p:nvPr/>
+      </p:nvGrpSpPr>
+      <p:grpSpPr>
+        <a:xfrm>
+          <a:off x="0" y="0"/>
+          <a:ext cx="0" cy="0"/>
+          <a:chOff x="0" y="0"/>
+          <a:chExt cx="0" cy="0"/>
+        </a:xfrm>
+      </p:grpSpPr>
+      <p:sp>
+        <p:nvSpPr>
+          <p:cNvPr id="7" name="Shape 338">
+            <a:extLst>
+              <a:ext uri="{FF2B5EF4-FFF2-40B4-BE49-F238E27FC236}">
+                <a16:creationId xmlns:a16="http://schemas.microsoft.com/office/drawing/2014/main" id="{C8CF6D31-CFEF-414A-A3C6-C4D4B311EE1D}"/>
+              </a:ext>
+            </a:extLst>
+          </p:cNvPr>
+          <p:cNvSpPr txBox="1"/>
+          <p:nvPr/>
+        </p:nvSpPr>
+        <p:spPr>
+          <a:xfrm>
+            <a:off x="415902" y="465137"/>
+            <a:ext cx="7702594" cy="707886"/>
+          </a:xfrm>
+          <a:prstGeom prst="rect">
+            <a:avLst/>
+          </a:prstGeom>
+          <a:noFill/>
+          <a:ln>
+            <a:noFill/>
+          </a:ln>
+        </p:spPr>
+        <p:txBody>
+          <a:bodyPr lIns="91425" tIns="45700" rIns="91425" bIns="45700" anchor="t" anchorCtr="0">
+            <a:noAutofit/>
+          </a:bodyPr>
+          <a:lstStyle/>
+          <a:p>
+            <a:pPr marL="0" marR="0" lvl="0" indent="0" algn="l" rtl="0">
+              <a:spcBef>
+                <a:spcPts val="0"/>
+              </a:spcBef>
+              <a:buSzPct val="25000"/>
+              <a:buNone/>
+            </a:pPr>
+            <a:r>
+              <a:rPr lang="en-US" sz="4000" dirty="0">
+                <a:latin typeface="+mj-lt"/>
+                <a:sym typeface="Arial"/>
+              </a:rPr>
+              <a:t>Z (and t) scores</a:t>
+            </a:r>
+          </a:p>
+        </p:txBody>
+      </p:sp>
+      <p:sp>
+        <p:nvSpPr>
+          <p:cNvPr id="8" name="Shape 339">
+            <a:extLst>
+              <a:ext uri="{FF2B5EF4-FFF2-40B4-BE49-F238E27FC236}">
+                <a16:creationId xmlns:a16="http://schemas.microsoft.com/office/drawing/2014/main" id="{BEEF42FD-F6CF-4516-A115-7EB2D4873A93}"/>
+              </a:ext>
+            </a:extLst>
+          </p:cNvPr>
+          <p:cNvSpPr txBox="1"/>
+          <p:nvPr/>
+        </p:nvSpPr>
+        <p:spPr>
+          <a:xfrm>
+            <a:off x="649703" y="1295400"/>
+            <a:ext cx="11212330" cy="910905"/>
+          </a:xfrm>
+          <a:prstGeom prst="rect">
+            <a:avLst/>
+          </a:prstGeom>
+          <a:noFill/>
+          <a:ln>
+            <a:noFill/>
+          </a:ln>
+        </p:spPr>
+        <p:txBody>
+          <a:bodyPr lIns="91425" tIns="45700" rIns="91425" bIns="45700" anchor="t" anchorCtr="0">
+            <a:noAutofit/>
+          </a:bodyPr>
+          <a:lstStyle/>
+          <a:p>
+            <a:pPr marL="0" marR="0" lvl="0" indent="0" algn="l" rtl="0">
+              <a:spcBef>
+                <a:spcPts val="0"/>
+              </a:spcBef>
+              <a:buSzPct val="25000"/>
+              <a:buNone/>
+            </a:pPr>
+            <a:r>
+              <a:rPr lang="en-US" sz="2800" dirty="0">
+                <a:sym typeface="Arial"/>
+              </a:rPr>
+              <a:t>How many </a:t>
+            </a:r>
+            <a:r>
+              <a:rPr lang="en-US" sz="2800" b="1" u="sng" dirty="0">
+                <a:sym typeface="Arial"/>
+              </a:rPr>
+              <a:t>standard deviations</a:t>
+            </a:r>
+            <a:r>
+              <a:rPr lang="en-US" sz="2800" b="1" dirty="0">
+                <a:sym typeface="Arial"/>
+              </a:rPr>
+              <a:t> </a:t>
+            </a:r>
+            <a:r>
+              <a:rPr lang="en-US" sz="2800" dirty="0">
+                <a:sym typeface="Arial"/>
+              </a:rPr>
+              <a:t>is an observation from the </a:t>
+            </a:r>
+            <a:r>
+              <a:rPr lang="en-US" sz="2800" b="1" u="sng" dirty="0">
+                <a:sym typeface="Arial"/>
+              </a:rPr>
+              <a:t>mean</a:t>
+            </a:r>
+            <a:r>
+              <a:rPr lang="en-US" sz="2800" dirty="0">
+                <a:sym typeface="Arial"/>
+              </a:rPr>
+              <a:t>?</a:t>
+            </a:r>
+          </a:p>
+        </p:txBody>
+      </p:sp>
+      <p:pic>
+        <p:nvPicPr>
+          <p:cNvPr id="3" name="Picture 2">
+            <a:extLst>
+              <a:ext uri="{FF2B5EF4-FFF2-40B4-BE49-F238E27FC236}">
+                <a16:creationId xmlns:a16="http://schemas.microsoft.com/office/drawing/2014/main" id="{04C64EBE-AA6A-45FA-BDB8-3AF3310AB122}"/>
+              </a:ext>
+            </a:extLst>
+          </p:cNvPr>
+          <p:cNvPicPr>
+            <a:picLocks noChangeAspect="1"/>
+          </p:cNvPicPr>
+          <p:nvPr/>
+        </p:nvPicPr>
+        <p:blipFill>
+          <a:blip r:embed="rId2">
+            <a:extLst>
+              <a:ext uri="{28A0092B-C50C-407E-A947-70E740481C1C}">
+                <a14:useLocalDpi xmlns:a14="http://schemas.microsoft.com/office/drawing/2010/main" val="0"/>
+              </a:ext>
+            </a:extLst>
+          </a:blip>
+          <a:stretch>
+            <a:fillRect/>
+          </a:stretch>
+        </p:blipFill>
+        <p:spPr>
+          <a:xfrm>
+            <a:off x="6431648" y="2835479"/>
+            <a:ext cx="5298956" cy="3850023"/>
+          </a:xfrm>
+          <a:prstGeom prst="rect">
+            <a:avLst/>
+          </a:prstGeom>
+        </p:spPr>
+      </p:pic>
+      <p:sp>
+        <p:nvSpPr>
+          <p:cNvPr id="11" name="Shape 121">
+            <a:extLst>
+              <a:ext uri="{FF2B5EF4-FFF2-40B4-BE49-F238E27FC236}">
+                <a16:creationId xmlns:a16="http://schemas.microsoft.com/office/drawing/2014/main" id="{2D894076-B6BE-4ECC-AFE4-C67DBDA43C08}"/>
+              </a:ext>
+            </a:extLst>
+          </p:cNvPr>
+          <p:cNvSpPr txBox="1"/>
+          <p:nvPr/>
+        </p:nvSpPr>
+        <p:spPr>
+          <a:xfrm>
+            <a:off x="958791" y="1925332"/>
+            <a:ext cx="2849810" cy="1063908"/>
+          </a:xfrm>
+          <a:prstGeom prst="rect">
+            <a:avLst/>
+          </a:prstGeom>
+          <a:blipFill rotWithShape="1">
+            <a:blip r:embed="rId3">
+              <a:alphaModFix/>
+            </a:blip>
+            <a:stretch>
+              <a:fillRect/>
+            </a:stretch>
+          </a:blipFill>
+          <a:ln>
+            <a:noFill/>
+          </a:ln>
+        </p:spPr>
+        <p:txBody>
+          <a:bodyPr lIns="91425" tIns="45700" rIns="91425" bIns="45700" anchor="t" anchorCtr="0">
+            <a:noAutofit/>
+          </a:bodyPr>
+          <a:lstStyle/>
+          <a:p>
+            <a:pPr marL="0" marR="0" lvl="0" indent="0" algn="l" rtl="0">
+              <a:spcBef>
+                <a:spcPts val="0"/>
+              </a:spcBef>
+              <a:buSzPct val="25000"/>
+              <a:buNone/>
+            </a:pPr>
+            <a:r>
+              <a:rPr lang="en-US" sz="1800">
+                <a:latin typeface="Gill Sans MT"/>
+                <a:ea typeface="Gill Sans MT"/>
+                <a:cs typeface="Gill Sans MT"/>
+                <a:sym typeface="Gill Sans MT"/>
+              </a:rPr>
+              <a:t> </a:t>
+            </a:r>
+          </a:p>
+        </p:txBody>
+      </p:sp>
+      <p:sp>
+        <p:nvSpPr>
+          <p:cNvPr id="12" name="Shape 339">
+            <a:extLst>
+              <a:ext uri="{FF2B5EF4-FFF2-40B4-BE49-F238E27FC236}">
+                <a16:creationId xmlns:a16="http://schemas.microsoft.com/office/drawing/2014/main" id="{167DD115-6235-4CC4-977A-0E0211C7BD01}"/>
+              </a:ext>
+            </a:extLst>
+          </p:cNvPr>
+          <p:cNvSpPr txBox="1"/>
+          <p:nvPr/>
+        </p:nvSpPr>
+        <p:spPr>
+          <a:xfrm>
+            <a:off x="649703" y="2989240"/>
+            <a:ext cx="4810132" cy="910905"/>
+          </a:xfrm>
+          <a:prstGeom prst="rect">
+            <a:avLst/>
+          </a:prstGeom>
+          <a:noFill/>
+          <a:ln>
+            <a:noFill/>
+          </a:ln>
+        </p:spPr>
+        <p:txBody>
+          <a:bodyPr lIns="91425" tIns="45700" rIns="91425" bIns="45700" anchor="t" anchorCtr="0">
+            <a:noAutofit/>
+          </a:bodyPr>
+          <a:lstStyle/>
+          <a:p>
+            <a:pPr marL="0" marR="0" lvl="0" indent="0" algn="l" rtl="0">
+              <a:spcBef>
+                <a:spcPts val="0"/>
+              </a:spcBef>
+              <a:buSzPct val="25000"/>
+              <a:buNone/>
+            </a:pPr>
+            <a:r>
+              <a:rPr lang="en-US" sz="2800" dirty="0">
+                <a:sym typeface="Arial"/>
+              </a:rPr>
+              <a:t>For a variable with a mean of 23 and a </a:t>
+            </a:r>
+            <a:r>
+              <a:rPr lang="en-US" sz="2800" dirty="0" err="1">
+                <a:sym typeface="Arial"/>
+              </a:rPr>
+              <a:t>s.d.</a:t>
+            </a:r>
+            <a:r>
+              <a:rPr lang="en-US" sz="2800" dirty="0">
+                <a:sym typeface="Arial"/>
+              </a:rPr>
+              <a:t> of 4, the z-score for 30 would be: </a:t>
+            </a:r>
+          </a:p>
+        </p:txBody>
+      </p:sp>
+      <mc:AlternateContent xmlns:mc="http://schemas.openxmlformats.org/markup-compatibility/2006">
+        <mc:Choice xmlns:a14="http://schemas.microsoft.com/office/drawing/2010/main" Requires="a14">
+          <p:sp>
+            <p:nvSpPr>
+              <p:cNvPr id="4" name="TextBox 3">
+                <a:extLst>
+                  <a:ext uri="{FF2B5EF4-FFF2-40B4-BE49-F238E27FC236}">
+                    <a16:creationId xmlns:a16="http://schemas.microsoft.com/office/drawing/2014/main" id="{E46775D7-B7C4-4FCC-9388-BAD68252DA43}"/>
+                  </a:ext>
+                </a:extLst>
+              </p:cNvPr>
+              <p:cNvSpPr txBox="1"/>
+              <p:nvPr/>
+            </p:nvSpPr>
+            <p:spPr>
+              <a:xfrm>
+                <a:off x="1103728" y="4522768"/>
+                <a:ext cx="2895023" cy="921984"/>
+              </a:xfrm>
+              <a:prstGeom prst="rect">
+                <a:avLst/>
+              </a:prstGeom>
+              <a:noFill/>
+            </p:spPr>
+            <p:txBody>
+              <a:bodyPr wrap="none" lIns="0" tIns="0" rIns="0" bIns="0" rtlCol="0">
+                <a:spAutoFit/>
+              </a:bodyPr>
+              <a:lstStyle/>
+              <a:p>
+                <a14:m>
+                  <m:oMathPara xmlns:m="http://schemas.openxmlformats.org/officeDocument/2006/math">
+                    <m:oMathParaPr>
+                      <m:jc m:val="centerGroup"/>
+                    </m:oMathParaPr>
+                    <m:oMath xmlns:m="http://schemas.openxmlformats.org/officeDocument/2006/math">
+                      <m:f>
+                        <m:fPr>
+                          <m:ctrlPr>
+                            <a:rPr lang="en-US" sz="3200" i="1" smtClean="0">
+                              <a:latin typeface="Cambria Math" panose="02040503050406030204" pitchFamily="18" charset="0"/>
+                            </a:rPr>
+                          </m:ctrlPr>
+                        </m:fPr>
+                        <m:num>
+                          <m:r>
+                            <a:rPr lang="en-US" sz="3200" b="0" i="1" smtClean="0">
+                              <a:latin typeface="Cambria Math" panose="02040503050406030204" pitchFamily="18" charset="0"/>
+                            </a:rPr>
+                            <m:t>30 −23</m:t>
+                          </m:r>
+                        </m:num>
+                        <m:den>
+                          <m:r>
+                            <a:rPr lang="en-US" sz="3200" b="0" i="1" smtClean="0">
+                              <a:latin typeface="Cambria Math" panose="02040503050406030204" pitchFamily="18" charset="0"/>
+                            </a:rPr>
+                            <m:t>4</m:t>
+                          </m:r>
+                        </m:den>
+                      </m:f>
+                      <m:r>
+                        <a:rPr lang="en-US" sz="3200" b="0" i="1" smtClean="0">
+                          <a:latin typeface="Cambria Math" panose="02040503050406030204" pitchFamily="18" charset="0"/>
+                        </a:rPr>
+                        <m:t>=1.75</m:t>
+                      </m:r>
+                    </m:oMath>
+                  </m:oMathPara>
+                </a14:m>
+                <a:endParaRPr lang="en-US" sz="3200" dirty="0"/>
+              </a:p>
+            </p:txBody>
+          </p:sp>
+        </mc:Choice>
+        <mc:Fallback>
+          <p:sp>
+            <p:nvSpPr>
+              <p:cNvPr id="4" name="TextBox 3">
+                <a:extLst>
+                  <a:ext uri="{FF2B5EF4-FFF2-40B4-BE49-F238E27FC236}">
+                    <a16:creationId xmlns:a16="http://schemas.microsoft.com/office/drawing/2014/main" id="{E46775D7-B7C4-4FCC-9388-BAD68252DA43}"/>
+                  </a:ext>
+                </a:extLst>
+              </p:cNvPr>
+              <p:cNvSpPr txBox="1">
+                <a:spLocks noRot="1" noChangeAspect="1" noMove="1" noResize="1" noEditPoints="1" noAdjustHandles="1" noChangeArrowheads="1" noChangeShapeType="1" noTextEdit="1"/>
+              </p:cNvSpPr>
+              <p:nvPr/>
+            </p:nvSpPr>
+            <p:spPr>
+              <a:xfrm>
+                <a:off x="1103728" y="4522768"/>
+                <a:ext cx="2895023" cy="921984"/>
+              </a:xfrm>
+              <a:prstGeom prst="rect">
+                <a:avLst/>
+              </a:prstGeom>
+              <a:blipFill>
+                <a:blip r:embed="rId4"/>
+                <a:stretch>
+                  <a:fillRect/>
+                </a:stretch>
+              </a:blipFill>
+            </p:spPr>
+            <p:txBody>
+              <a:bodyPr/>
+              <a:lstStyle/>
+              <a:p>
+                <a:r>
+                  <a:rPr lang="en-US">
+                    <a:noFill/>
+                  </a:rPr>
+                  <a:t> </a:t>
+                </a:r>
+              </a:p>
+            </p:txBody>
+          </p:sp>
+        </mc:Fallback>
+      </mc:AlternateContent>
+      <p:sp>
+        <p:nvSpPr>
+          <p:cNvPr id="5" name="Rectangle 4">
+            <a:extLst>
+              <a:ext uri="{FF2B5EF4-FFF2-40B4-BE49-F238E27FC236}">
+                <a16:creationId xmlns:a16="http://schemas.microsoft.com/office/drawing/2014/main" id="{7F756198-E2B2-46A3-BB01-FE2F7E185AA9}"/>
+              </a:ext>
+            </a:extLst>
+          </p:cNvPr>
+          <p:cNvSpPr/>
+          <p:nvPr/>
+        </p:nvSpPr>
+        <p:spPr>
+          <a:xfrm>
+            <a:off x="522470" y="5605030"/>
+            <a:ext cx="4937365" cy="954107"/>
+          </a:xfrm>
+          <a:prstGeom prst="rect">
+            <a:avLst/>
+          </a:prstGeom>
+        </p:spPr>
+        <p:txBody>
+          <a:bodyPr wrap="square">
+            <a:spAutoFit/>
+          </a:bodyPr>
+          <a:lstStyle/>
+          <a:p>
+            <a:r>
+              <a:rPr lang="en-US" sz="2800" dirty="0">
+                <a:sym typeface="Arial"/>
+              </a:rPr>
+              <a:t>What value would produce a z-score of negative 2?</a:t>
+            </a:r>
+            <a:endParaRPr lang="en-US" sz="2800" dirty="0"/>
+          </a:p>
+        </p:txBody>
+      </p:sp>
+    </p:spTree>
+    <p:extLst>
+      <p:ext uri="{BB962C8B-B14F-4D97-AF65-F5344CB8AC3E}">
+        <p14:creationId xmlns:p14="http://schemas.microsoft.com/office/powerpoint/2010/main" val="4280782095"/>
+      </p:ext>
+    </p:extLst>
+  </p:cSld>
+  <p:clrMapOvr>
+    <a:masterClrMapping/>
+  </p:clrMapOvr>
+</p:sld>
+</file>
+
+<file path=ppt/slides/slide12.xml><?xml version="1.0" encoding="utf-8"?>
+<p:sld xmlns:a="http://schemas.openxmlformats.org/drawingml/2006/main" xmlns:r="http://schemas.openxmlformats.org/officeDocument/2006/relationships" xmlns:p="http://schemas.openxmlformats.org/presentationml/2006/main">
+  <p:cSld>
+    <p:spTree>
+      <p:nvGrpSpPr>
+        <p:cNvPr id="1" name=""/>
+        <p:cNvGrpSpPr/>
+        <p:nvPr/>
+      </p:nvGrpSpPr>
+      <p:grpSpPr>
+        <a:xfrm>
+          <a:off x="0" y="0"/>
+          <a:ext cx="0" cy="0"/>
+          <a:chOff x="0" y="0"/>
+          <a:chExt cx="0" cy="0"/>
+        </a:xfrm>
+      </p:grpSpPr>
+      <p:sp>
+        <p:nvSpPr>
+          <p:cNvPr id="7" name="Shape 338">
+            <a:extLst>
+              <a:ext uri="{FF2B5EF4-FFF2-40B4-BE49-F238E27FC236}">
+                <a16:creationId xmlns:a16="http://schemas.microsoft.com/office/drawing/2014/main" id="{C8CF6D31-CFEF-414A-A3C6-C4D4B311EE1D}"/>
+              </a:ext>
+            </a:extLst>
+          </p:cNvPr>
+          <p:cNvSpPr txBox="1"/>
+          <p:nvPr/>
+        </p:nvSpPr>
+        <p:spPr>
+          <a:xfrm>
+            <a:off x="415902" y="465137"/>
+            <a:ext cx="7702594" cy="707886"/>
+          </a:xfrm>
+          <a:prstGeom prst="rect">
+            <a:avLst/>
+          </a:prstGeom>
+          <a:noFill/>
+          <a:ln>
+            <a:noFill/>
+          </a:ln>
+        </p:spPr>
+        <p:txBody>
+          <a:bodyPr lIns="91425" tIns="45700" rIns="91425" bIns="45700" anchor="t" anchorCtr="0">
+            <a:noAutofit/>
+          </a:bodyPr>
+          <a:lstStyle/>
+          <a:p>
+            <a:pPr marL="0" marR="0" lvl="0" indent="0" algn="l" rtl="0">
+              <a:spcBef>
+                <a:spcPts val="0"/>
+              </a:spcBef>
+              <a:buSzPct val="25000"/>
+              <a:buNone/>
+            </a:pPr>
+            <a:r>
+              <a:rPr lang="en-US" sz="4000" dirty="0">
+                <a:latin typeface="+mj-lt"/>
+                <a:sym typeface="Arial"/>
+              </a:rPr>
+              <a:t>Data challenge!</a:t>
+            </a:r>
+          </a:p>
+        </p:txBody>
+      </p:sp>
+      <p:sp>
+        <p:nvSpPr>
+          <p:cNvPr id="8" name="Shape 339">
+            <a:extLst>
+              <a:ext uri="{FF2B5EF4-FFF2-40B4-BE49-F238E27FC236}">
+                <a16:creationId xmlns:a16="http://schemas.microsoft.com/office/drawing/2014/main" id="{BEEF42FD-F6CF-4516-A115-7EB2D4873A93}"/>
+              </a:ext>
+            </a:extLst>
+          </p:cNvPr>
+          <p:cNvSpPr txBox="1"/>
+          <p:nvPr/>
+        </p:nvSpPr>
+        <p:spPr>
+          <a:xfrm>
+            <a:off x="649703" y="1295400"/>
+            <a:ext cx="11212330" cy="910905"/>
+          </a:xfrm>
+          <a:prstGeom prst="rect">
+            <a:avLst/>
+          </a:prstGeom>
+          <a:noFill/>
+          <a:ln>
+            <a:noFill/>
+          </a:ln>
+        </p:spPr>
+        <p:txBody>
+          <a:bodyPr lIns="91425" tIns="45700" rIns="91425" bIns="45700" anchor="t" anchorCtr="0">
+            <a:noAutofit/>
+          </a:bodyPr>
+          <a:lstStyle/>
+          <a:p>
+            <a:pPr marL="0" marR="0" lvl="0" indent="0" algn="l" rtl="0">
+              <a:spcBef>
+                <a:spcPts val="0"/>
+              </a:spcBef>
+              <a:buSzPct val="25000"/>
+              <a:buNone/>
+            </a:pPr>
+            <a:r>
+              <a:rPr lang="en-US" sz="2800" dirty="0">
+                <a:sym typeface="Arial"/>
+              </a:rPr>
+              <a:t>Pick a variable from our county census dataset. Transform its values to z-scores. How many counties are above 2? How many below -2? In what states/regions are these located?</a:t>
+            </a:r>
+          </a:p>
+        </p:txBody>
+      </p:sp>
+    </p:spTree>
+    <p:extLst>
+      <p:ext uri="{BB962C8B-B14F-4D97-AF65-F5344CB8AC3E}">
+        <p14:creationId xmlns:p14="http://schemas.microsoft.com/office/powerpoint/2010/main" val="881287482"/>
+      </p:ext>
+    </p:extLst>
+  </p:cSld>
+  <p:clrMapOvr>
+    <a:masterClrMapping/>
+  </p:clrMapOvr>
+</p:sld>
+</file>
+
 <file path=ppt/slides/slide2.xml><?xml version="1.0" encoding="utf-8"?>
 <p:sld xmlns:a="http://schemas.openxmlformats.org/drawingml/2006/main" xmlns:r="http://schemas.openxmlformats.org/officeDocument/2006/relationships" xmlns:p="http://schemas.openxmlformats.org/presentationml/2006/main">
   <p:cSld>
@@ -7010,6 +7839,149 @@
         <p:spPr>
           <a:xfrm>
             <a:off x="226503" y="167780"/>
+            <a:ext cx="7197098" cy="646331"/>
+          </a:xfrm>
+          <a:prstGeom prst="rect">
+            <a:avLst/>
+          </a:prstGeom>
+          <a:noFill/>
+        </p:spPr>
+        <p:txBody>
+          <a:bodyPr wrap="none" rtlCol="0">
+            <a:spAutoFit/>
+          </a:bodyPr>
+          <a:lstStyle/>
+          <a:p>
+            <a:r>
+              <a:rPr lang="en-US" sz="3600" b="1" dirty="0"/>
+              <a:t>Why do we care about probability?</a:t>
+            </a:r>
+          </a:p>
+        </p:txBody>
+      </p:sp>
+      <p:sp>
+        <p:nvSpPr>
+          <p:cNvPr id="3" name="Rectangle 2">
+            <a:extLst>
+              <a:ext uri="{FF2B5EF4-FFF2-40B4-BE49-F238E27FC236}">
+                <a16:creationId xmlns:a16="http://schemas.microsoft.com/office/drawing/2014/main" id="{A26F41FE-C35C-4ABD-80FC-79A98E493CED}"/>
+              </a:ext>
+            </a:extLst>
+          </p:cNvPr>
+          <p:cNvSpPr/>
+          <p:nvPr/>
+        </p:nvSpPr>
+        <p:spPr>
+          <a:xfrm>
+            <a:off x="521751" y="1292284"/>
+            <a:ext cx="5115652" cy="2862322"/>
+          </a:xfrm>
+          <a:prstGeom prst="rect">
+            <a:avLst/>
+          </a:prstGeom>
+        </p:spPr>
+        <p:txBody>
+          <a:bodyPr wrap="square">
+            <a:spAutoFit/>
+          </a:bodyPr>
+          <a:lstStyle/>
+          <a:p>
+            <a:r>
+              <a:rPr lang="en-US" sz="3600" dirty="0"/>
+              <a:t>Because statistical analysis is largely about whether an outcome could have happened </a:t>
+            </a:r>
+            <a:r>
+              <a:rPr lang="en-US" sz="3600" b="1" u="sng" dirty="0"/>
+              <a:t>by chance</a:t>
+            </a:r>
+            <a:r>
+              <a:rPr lang="en-US" sz="3600" dirty="0"/>
+              <a:t>.</a:t>
+            </a:r>
+          </a:p>
+        </p:txBody>
+      </p:sp>
+      <p:pic>
+        <p:nvPicPr>
+          <p:cNvPr id="5" name="Picture 4">
+            <a:extLst>
+              <a:ext uri="{FF2B5EF4-FFF2-40B4-BE49-F238E27FC236}">
+                <a16:creationId xmlns:a16="http://schemas.microsoft.com/office/drawing/2014/main" id="{720275FA-2B60-429A-8108-6333F82440D1}"/>
+              </a:ext>
+            </a:extLst>
+          </p:cNvPr>
+          <p:cNvPicPr>
+            <a:picLocks noChangeAspect="1"/>
+          </p:cNvPicPr>
+          <p:nvPr/>
+        </p:nvPicPr>
+        <p:blipFill>
+          <a:blip r:embed="rId2">
+            <a:extLst>
+              <a:ext uri="{28A0092B-C50C-407E-A947-70E740481C1C}">
+                <a14:useLocalDpi xmlns:a14="http://schemas.microsoft.com/office/drawing/2010/main" val="0"/>
+              </a:ext>
+            </a:extLst>
+          </a:blip>
+          <a:stretch>
+            <a:fillRect/>
+          </a:stretch>
+        </p:blipFill>
+        <p:spPr>
+          <a:xfrm>
+            <a:off x="6207853" y="873853"/>
+            <a:ext cx="5984147" cy="5984147"/>
+          </a:xfrm>
+          <a:prstGeom prst="rect">
+            <a:avLst/>
+          </a:prstGeom>
+        </p:spPr>
+      </p:pic>
+    </p:spTree>
+    <p:extLst>
+      <p:ext uri="{BB962C8B-B14F-4D97-AF65-F5344CB8AC3E}">
+        <p14:creationId xmlns:p14="http://schemas.microsoft.com/office/powerpoint/2010/main" val="3518867550"/>
+      </p:ext>
+    </p:extLst>
+  </p:cSld>
+  <p:clrMapOvr>
+    <a:masterClrMapping/>
+  </p:clrMapOvr>
+</p:sld>
+</file>
+
+<file path=ppt/slides/slide6.xml><?xml version="1.0" encoding="utf-8"?>
+<p:sld xmlns:a="http://schemas.openxmlformats.org/drawingml/2006/main" xmlns:r="http://schemas.openxmlformats.org/officeDocument/2006/relationships" xmlns:p="http://schemas.openxmlformats.org/presentationml/2006/main">
+  <p:cSld>
+    <p:spTree>
+      <p:nvGrpSpPr>
+        <p:cNvPr id="1" name=""/>
+        <p:cNvGrpSpPr/>
+        <p:nvPr/>
+      </p:nvGrpSpPr>
+      <p:grpSpPr>
+        <a:xfrm>
+          <a:off x="0" y="0"/>
+          <a:ext cx="0" cy="0"/>
+          <a:chOff x="0" y="0"/>
+          <a:chExt cx="0" cy="0"/>
+        </a:xfrm>
+      </p:grpSpPr>
+      <p:sp>
+        <p:nvSpPr>
+          <p:cNvPr id="6" name="TextBox 5">
+            <a:extLst>
+              <a:ext uri="{FF2B5EF4-FFF2-40B4-BE49-F238E27FC236}">
+                <a16:creationId xmlns:a16="http://schemas.microsoft.com/office/drawing/2014/main" id="{712AC8CF-13A3-4593-9053-122027377F90}"/>
+              </a:ext>
+            </a:extLst>
+          </p:cNvPr>
+          <p:cNvSpPr txBox="1"/>
+          <p:nvPr/>
+        </p:nvSpPr>
+        <p:spPr>
+          <a:xfrm>
+            <a:off x="226503" y="167780"/>
             <a:ext cx="4697120" cy="646331"/>
           </a:xfrm>
           <a:prstGeom prst="rect">
@@ -7212,7 +8184,7 @@
 </p:sld>
 </file>
 
-<file path=ppt/slides/slide6.xml><?xml version="1.0" encoding="utf-8"?>
+<file path=ppt/slides/slide7.xml><?xml version="1.0" encoding="utf-8"?>
 <p:sld xmlns:a="http://schemas.openxmlformats.org/drawingml/2006/main" xmlns:r="http://schemas.openxmlformats.org/officeDocument/2006/relationships" xmlns:p="http://schemas.openxmlformats.org/presentationml/2006/main">
   <p:cSld>
     <p:spTree>
@@ -7728,7 +8700,7 @@
 </p:sld>
 </file>
 
-<file path=ppt/slides/slide7.xml><?xml version="1.0" encoding="utf-8"?>
+<file path=ppt/slides/slide8.xml><?xml version="1.0" encoding="utf-8"?>
 <p:sld xmlns:a="http://schemas.openxmlformats.org/drawingml/2006/main" xmlns:r="http://schemas.openxmlformats.org/officeDocument/2006/relationships" xmlns:p="http://schemas.openxmlformats.org/presentationml/2006/main">
   <p:cSld>
     <p:spTree>
@@ -8770,7 +9742,7 @@
 </p:sld>
 </file>
 
-<file path=ppt/slides/slide8.xml><?xml version="1.0" encoding="utf-8"?>
+<file path=ppt/slides/slide9.xml><?xml version="1.0" encoding="utf-8"?>
 <p:sld xmlns:a="http://schemas.openxmlformats.org/drawingml/2006/main" xmlns:r="http://schemas.openxmlformats.org/officeDocument/2006/relationships" xmlns:p="http://schemas.openxmlformats.org/presentationml/2006/main">
   <p:cSld>
     <p:spTree>
@@ -9041,243 +10013,6 @@
     <p:extLst>
       <p:ext uri="{BB962C8B-B14F-4D97-AF65-F5344CB8AC3E}">
         <p14:creationId xmlns:p14="http://schemas.microsoft.com/office/powerpoint/2010/main" val="1206059378"/>
-      </p:ext>
-    </p:extLst>
-  </p:cSld>
-  <p:clrMapOvr>
-    <a:masterClrMapping/>
-  </p:clrMapOvr>
-</p:sld>
-</file>
-
-<file path=ppt/slides/slide9.xml><?xml version="1.0" encoding="utf-8"?>
-<p:sld xmlns:a="http://schemas.openxmlformats.org/drawingml/2006/main" xmlns:r="http://schemas.openxmlformats.org/officeDocument/2006/relationships" xmlns:p="http://schemas.openxmlformats.org/presentationml/2006/main">
-  <p:cSld>
-    <p:spTree>
-      <p:nvGrpSpPr>
-        <p:cNvPr id="1" name=""/>
-        <p:cNvGrpSpPr/>
-        <p:nvPr/>
-      </p:nvGrpSpPr>
-      <p:grpSpPr>
-        <a:xfrm>
-          <a:off x="0" y="0"/>
-          <a:ext cx="0" cy="0"/>
-          <a:chOff x="0" y="0"/>
-          <a:chExt cx="0" cy="0"/>
-        </a:xfrm>
-      </p:grpSpPr>
-      <p:sp>
-        <p:nvSpPr>
-          <p:cNvPr id="7" name="Shape 338">
-            <a:extLst>
-              <a:ext uri="{FF2B5EF4-FFF2-40B4-BE49-F238E27FC236}">
-                <a16:creationId xmlns:a16="http://schemas.microsoft.com/office/drawing/2014/main" id="{C8CF6D31-CFEF-414A-A3C6-C4D4B311EE1D}"/>
-              </a:ext>
-            </a:extLst>
-          </p:cNvPr>
-          <p:cNvSpPr txBox="1"/>
-          <p:nvPr/>
-        </p:nvSpPr>
-        <p:spPr>
-          <a:xfrm>
-            <a:off x="415902" y="465137"/>
-            <a:ext cx="7702594" cy="707886"/>
-          </a:xfrm>
-          <a:prstGeom prst="rect">
-            <a:avLst/>
-          </a:prstGeom>
-          <a:noFill/>
-          <a:ln>
-            <a:noFill/>
-          </a:ln>
-        </p:spPr>
-        <p:txBody>
-          <a:bodyPr lIns="91425" tIns="45700" rIns="91425" bIns="45700" anchor="t" anchorCtr="0">
-            <a:noAutofit/>
-          </a:bodyPr>
-          <a:lstStyle/>
-          <a:p>
-            <a:pPr marL="0" marR="0" lvl="0" indent="0" algn="l" rtl="0">
-              <a:spcBef>
-                <a:spcPts val="0"/>
-              </a:spcBef>
-              <a:buSzPct val="25000"/>
-              <a:buNone/>
-            </a:pPr>
-            <a:r>
-              <a:rPr lang="en-US" sz="4000" dirty="0">
-                <a:latin typeface="+mj-lt"/>
-                <a:sym typeface="Arial"/>
-              </a:rPr>
-              <a:t>Concept check</a:t>
-            </a:r>
-          </a:p>
-        </p:txBody>
-      </p:sp>
-      <p:sp>
-        <p:nvSpPr>
-          <p:cNvPr id="8" name="Shape 339">
-            <a:extLst>
-              <a:ext uri="{FF2B5EF4-FFF2-40B4-BE49-F238E27FC236}">
-                <a16:creationId xmlns:a16="http://schemas.microsoft.com/office/drawing/2014/main" id="{BEEF42FD-F6CF-4516-A115-7EB2D4873A93}"/>
-              </a:ext>
-            </a:extLst>
-          </p:cNvPr>
-          <p:cNvSpPr txBox="1"/>
-          <p:nvPr/>
-        </p:nvSpPr>
-        <p:spPr>
-          <a:xfrm>
-            <a:off x="649703" y="1295400"/>
-            <a:ext cx="6178935" cy="4832092"/>
-          </a:xfrm>
-          <a:prstGeom prst="rect">
-            <a:avLst/>
-          </a:prstGeom>
-          <a:noFill/>
-          <a:ln>
-            <a:noFill/>
-          </a:ln>
-        </p:spPr>
-        <p:txBody>
-          <a:bodyPr lIns="91425" tIns="45700" rIns="91425" bIns="45700" anchor="t" anchorCtr="0">
-            <a:noAutofit/>
-          </a:bodyPr>
-          <a:lstStyle/>
-          <a:p>
-            <a:pPr marL="0" marR="0" lvl="0" indent="0" algn="l" rtl="0">
-              <a:spcBef>
-                <a:spcPts val="0"/>
-              </a:spcBef>
-              <a:buSzPct val="25000"/>
-              <a:buNone/>
-            </a:pPr>
-            <a:r>
-              <a:rPr lang="en-US" sz="2800" dirty="0">
-                <a:sym typeface="Arial"/>
-              </a:rPr>
-              <a:t>The town of </a:t>
-            </a:r>
-            <a:r>
-              <a:rPr lang="en-US" sz="2800" dirty="0" err="1">
-                <a:sym typeface="Arial"/>
-              </a:rPr>
-              <a:t>Chewandswallow</a:t>
-            </a:r>
-            <a:r>
-              <a:rPr lang="en-US" sz="2800" dirty="0">
-                <a:sym typeface="Arial"/>
-              </a:rPr>
-              <a:t> receives random spaghetti storms two days out of every week on average.  </a:t>
-            </a:r>
-          </a:p>
-          <a:p>
-            <a:pPr marL="0" marR="0" lvl="0" indent="0" algn="l" rtl="0">
-              <a:spcBef>
-                <a:spcPts val="0"/>
-              </a:spcBef>
-              <a:buNone/>
-            </a:pPr>
-            <a:endParaRPr sz="2800" dirty="0">
-              <a:sym typeface="Arial"/>
-            </a:endParaRPr>
-          </a:p>
-          <a:p>
-            <a:pPr marL="0" marR="0" lvl="0" indent="0" algn="l" rtl="0">
-              <a:spcBef>
-                <a:spcPts val="0"/>
-              </a:spcBef>
-              <a:buSzPct val="25000"/>
-              <a:buNone/>
-            </a:pPr>
-            <a:r>
-              <a:rPr lang="en-US" sz="2800" dirty="0">
-                <a:sym typeface="Arial"/>
-              </a:rPr>
-              <a:t>A neighborhood group is planning an Italian picnic. What is the chance it will receive three storms in the week prior to this event, so they won’t have to cook?</a:t>
-            </a:r>
-          </a:p>
-        </p:txBody>
-      </p:sp>
-      <p:pic>
-        <p:nvPicPr>
-          <p:cNvPr id="9" name="Shape 340" descr="File:Cloudy with a Chance of Meatballs (book).jpg">
-            <a:extLst>
-              <a:ext uri="{FF2B5EF4-FFF2-40B4-BE49-F238E27FC236}">
-                <a16:creationId xmlns:a16="http://schemas.microsoft.com/office/drawing/2014/main" id="{0057F160-C6C9-40D1-AEF5-D08F15A75FAD}"/>
-              </a:ext>
-            </a:extLst>
-          </p:cNvPr>
-          <p:cNvPicPr preferRelativeResize="0"/>
-          <p:nvPr/>
-        </p:nvPicPr>
-        <p:blipFill rotWithShape="1">
-          <a:blip r:embed="rId2">
-            <a:alphaModFix/>
-          </a:blip>
-          <a:srcRect/>
-          <a:stretch/>
-        </p:blipFill>
-        <p:spPr>
-          <a:xfrm>
-            <a:off x="7910819" y="137965"/>
-            <a:ext cx="3637820" cy="3175685"/>
-          </a:xfrm>
-          <a:prstGeom prst="rect">
-            <a:avLst/>
-          </a:prstGeom>
-          <a:noFill/>
-          <a:ln>
-            <a:noFill/>
-          </a:ln>
-        </p:spPr>
-      </p:pic>
-      <p:pic>
-        <p:nvPicPr>
-          <p:cNvPr id="10" name="Shape 341">
-            <a:extLst>
-              <a:ext uri="{FF2B5EF4-FFF2-40B4-BE49-F238E27FC236}">
-                <a16:creationId xmlns:a16="http://schemas.microsoft.com/office/drawing/2014/main" id="{5F41CE7D-C077-4779-B965-9087476E79CF}"/>
-              </a:ext>
-            </a:extLst>
-          </p:cNvPr>
-          <p:cNvPicPr preferRelativeResize="0"/>
-          <p:nvPr/>
-        </p:nvPicPr>
-        <p:blipFill rotWithShape="1">
-          <a:blip r:embed="rId3">
-            <a:alphaModFix/>
-          </a:blip>
-          <a:srcRect/>
-          <a:stretch/>
-        </p:blipFill>
-        <p:spPr>
-          <a:xfrm>
-            <a:off x="8118496" y="4165134"/>
-            <a:ext cx="2971799" cy="1463655"/>
-          </a:xfrm>
-          <a:prstGeom prst="rect">
-            <a:avLst/>
-          </a:prstGeom>
-          <a:solidFill>
-            <a:schemeClr val="lt1"/>
-          </a:solidFill>
-          <a:ln w="9525" cap="flat" cmpd="sng">
-            <a:solidFill>
-              <a:srgbClr val="C00000"/>
-            </a:solidFill>
-            <a:prstDash val="solid"/>
-            <a:miter/>
-            <a:headEnd type="none" w="med" len="med"/>
-            <a:tailEnd type="none" w="med" len="med"/>
-          </a:ln>
-        </p:spPr>
-      </p:pic>
-    </p:spTree>
-    <p:extLst>
-      <p:ext uri="{BB962C8B-B14F-4D97-AF65-F5344CB8AC3E}">
-        <p14:creationId xmlns:p14="http://schemas.microsoft.com/office/powerpoint/2010/main" val="3457319604"/>
       </p:ext>
     </p:extLst>
   </p:cSld>

--- a/in_class_slides/geog4300_W06-1 Probability and ZT scores.pptx
+++ b/in_class_slides/geog4300_W06-1 Probability and ZT scores.pptx
@@ -5,7 +5,7 @@
     <p:sldMasterId id="2147483660" r:id="rId1"/>
   </p:sldMasterIdLst>
   <p:notesMasterIdLst>
-    <p:notesMasterId r:id="rId14"/>
+    <p:notesMasterId r:id="rId13"/>
   </p:notesMasterIdLst>
   <p:sldIdLst>
     <p:sldId id="256" r:id="rId2"/>
@@ -16,10 +16,9 @@
     <p:sldId id="261" r:id="rId7"/>
     <p:sldId id="259" r:id="rId8"/>
     <p:sldId id="262" r:id="rId9"/>
-    <p:sldId id="263" r:id="rId10"/>
-    <p:sldId id="264" r:id="rId11"/>
-    <p:sldId id="266" r:id="rId12"/>
-    <p:sldId id="267" r:id="rId13"/>
+    <p:sldId id="268" r:id="rId10"/>
+    <p:sldId id="266" r:id="rId11"/>
+    <p:sldId id="267" r:id="rId12"/>
   </p:sldIdLst>
   <p:sldSz cx="12192000" cy="6858000"/>
   <p:notesSz cx="6858000" cy="9144000"/>
@@ -208,7 +207,7 @@
           <a:p>
             <a:fld id="{F1C23026-85D4-48E8-9219-18000F688023}" type="datetimeFigureOut">
               <a:rPr lang="en-US" smtClean="0"/>
-              <a:t>9/23/2021</a:t>
+              <a:t>9/29/2021</a:t>
             </a:fld>
             <a:endParaRPr lang="en-US"/>
           </a:p>
@@ -660,7 +659,7 @@
           <a:p>
             <a:fld id="{93C8B963-0F36-48FC-991E-AA63861DA924}" type="datetimeFigureOut">
               <a:rPr lang="en-US" smtClean="0"/>
-              <a:t>9/23/2021</a:t>
+              <a:t>9/29/2021</a:t>
             </a:fld>
             <a:endParaRPr lang="en-US"/>
           </a:p>
@@ -958,7 +957,7 @@
           <a:p>
             <a:fld id="{93C8B963-0F36-48FC-991E-AA63861DA924}" type="datetimeFigureOut">
               <a:rPr lang="en-US" smtClean="0"/>
-              <a:t>9/23/2021</a:t>
+              <a:t>9/29/2021</a:t>
             </a:fld>
             <a:endParaRPr lang="en-US"/>
           </a:p>
@@ -1150,7 +1149,7 @@
           <a:p>
             <a:fld id="{93C8B963-0F36-48FC-991E-AA63861DA924}" type="datetimeFigureOut">
               <a:rPr lang="en-US" smtClean="0"/>
-              <a:t>9/23/2021</a:t>
+              <a:t>9/29/2021</a:t>
             </a:fld>
             <a:endParaRPr lang="en-US"/>
           </a:p>
@@ -1411,7 +1410,7 @@
           <a:p>
             <a:fld id="{93C8B963-0F36-48FC-991E-AA63861DA924}" type="datetimeFigureOut">
               <a:rPr lang="en-US" smtClean="0"/>
-              <a:t>9/23/2021</a:t>
+              <a:t>9/29/2021</a:t>
             </a:fld>
             <a:endParaRPr lang="en-US"/>
           </a:p>
@@ -1835,7 +1834,7 @@
           <a:p>
             <a:fld id="{93C8B963-0F36-48FC-991E-AA63861DA924}" type="datetimeFigureOut">
               <a:rPr lang="en-US" smtClean="0"/>
-              <a:t>9/23/2021</a:t>
+              <a:t>9/29/2021</a:t>
             </a:fld>
             <a:endParaRPr lang="en-US"/>
           </a:p>
@@ -2372,7 +2371,7 @@
           <a:p>
             <a:fld id="{93C8B963-0F36-48FC-991E-AA63861DA924}" type="datetimeFigureOut">
               <a:rPr lang="en-US" smtClean="0"/>
-              <a:t>9/23/2021</a:t>
+              <a:t>9/29/2021</a:t>
             </a:fld>
             <a:endParaRPr lang="en-US"/>
           </a:p>
@@ -3236,7 +3235,7 @@
           <a:p>
             <a:fld id="{93C8B963-0F36-48FC-991E-AA63861DA924}" type="datetimeFigureOut">
               <a:rPr lang="en-US" smtClean="0"/>
-              <a:t>9/23/2021</a:t>
+              <a:t>9/29/2021</a:t>
             </a:fld>
             <a:endParaRPr lang="en-US"/>
           </a:p>
@@ -3406,7 +3405,7 @@
           <a:p>
             <a:fld id="{93C8B963-0F36-48FC-991E-AA63861DA924}" type="datetimeFigureOut">
               <a:rPr lang="en-US" smtClean="0"/>
-              <a:t>9/23/2021</a:t>
+              <a:t>9/29/2021</a:t>
             </a:fld>
             <a:endParaRPr lang="en-US"/>
           </a:p>
@@ -3590,7 +3589,7 @@
           <a:p>
             <a:fld id="{93C8B963-0F36-48FC-991E-AA63861DA924}" type="datetimeFigureOut">
               <a:rPr lang="en-US" smtClean="0"/>
-              <a:t>9/23/2021</a:t>
+              <a:t>9/29/2021</a:t>
             </a:fld>
             <a:endParaRPr lang="en-US"/>
           </a:p>
@@ -3760,7 +3759,7 @@
           <a:p>
             <a:fld id="{93C8B963-0F36-48FC-991E-AA63861DA924}" type="datetimeFigureOut">
               <a:rPr lang="en-US" smtClean="0"/>
-              <a:t>9/23/2021</a:t>
+              <a:t>9/29/2021</a:t>
             </a:fld>
             <a:endParaRPr lang="en-US"/>
           </a:p>
@@ -4004,7 +4003,7 @@
           <a:p>
             <a:fld id="{93C8B963-0F36-48FC-991E-AA63861DA924}" type="datetimeFigureOut">
               <a:rPr lang="en-US" smtClean="0"/>
-              <a:t>9/23/2021</a:t>
+              <a:t>9/29/2021</a:t>
             </a:fld>
             <a:endParaRPr lang="en-US"/>
           </a:p>
@@ -4240,7 +4239,7 @@
           <a:p>
             <a:fld id="{93C8B963-0F36-48FC-991E-AA63861DA924}" type="datetimeFigureOut">
               <a:rPr lang="en-US" smtClean="0"/>
-              <a:t>9/23/2021</a:t>
+              <a:t>9/29/2021</a:t>
             </a:fld>
             <a:endParaRPr lang="en-US"/>
           </a:p>
@@ -4706,7 +4705,7 @@
           <a:p>
             <a:fld id="{93C8B963-0F36-48FC-991E-AA63861DA924}" type="datetimeFigureOut">
               <a:rPr lang="en-US" smtClean="0"/>
-              <a:t>9/23/2021</a:t>
+              <a:t>9/29/2021</a:t>
             </a:fld>
             <a:endParaRPr lang="en-US"/>
           </a:p>
@@ -4824,7 +4823,7 @@
           <a:p>
             <a:fld id="{93C8B963-0F36-48FC-991E-AA63861DA924}" type="datetimeFigureOut">
               <a:rPr lang="en-US" smtClean="0"/>
-              <a:t>9/23/2021</a:t>
+              <a:t>9/29/2021</a:t>
             </a:fld>
             <a:endParaRPr lang="en-US"/>
           </a:p>
@@ -4919,7 +4918,7 @@
           <a:p>
             <a:fld id="{93C8B963-0F36-48FC-991E-AA63861DA924}" type="datetimeFigureOut">
               <a:rPr lang="en-US" smtClean="0"/>
-              <a:t>9/23/2021</a:t>
+              <a:t>9/29/2021</a:t>
             </a:fld>
             <a:endParaRPr lang="en-US"/>
           </a:p>
@@ -5174,7 +5173,7 @@
           <a:p>
             <a:fld id="{93C8B963-0F36-48FC-991E-AA63861DA924}" type="datetimeFigureOut">
               <a:rPr lang="en-US" smtClean="0"/>
-              <a:t>9/23/2021</a:t>
+              <a:t>9/29/2021</a:t>
             </a:fld>
             <a:endParaRPr lang="en-US"/>
           </a:p>
@@ -5474,7 +5473,7 @@
           <a:p>
             <a:fld id="{93C8B963-0F36-48FC-991E-AA63861DA924}" type="datetimeFigureOut">
               <a:rPr lang="en-US" smtClean="0"/>
-              <a:t>9/23/2021</a:t>
+              <a:t>9/29/2021</a:t>
             </a:fld>
             <a:endParaRPr lang="en-US"/>
           </a:p>
@@ -5708,7 +5707,7 @@
           <a:p>
             <a:fld id="{93C8B963-0F36-48FC-991E-AA63861DA924}" type="datetimeFigureOut">
               <a:rPr lang="en-US" smtClean="0"/>
-              <a:t>9/23/2021</a:t>
+              <a:t>9/29/2021</a:t>
             </a:fld>
             <a:endParaRPr lang="en-US"/>
           </a:p>
@@ -6561,243 +6560,6 @@
                 <a:latin typeface="+mj-lt"/>
                 <a:sym typeface="Arial"/>
               </a:rPr>
-              <a:t>Concept check</a:t>
-            </a:r>
-          </a:p>
-        </p:txBody>
-      </p:sp>
-      <p:sp>
-        <p:nvSpPr>
-          <p:cNvPr id="8" name="Shape 339">
-            <a:extLst>
-              <a:ext uri="{FF2B5EF4-FFF2-40B4-BE49-F238E27FC236}">
-                <a16:creationId xmlns:a16="http://schemas.microsoft.com/office/drawing/2014/main" id="{BEEF42FD-F6CF-4516-A115-7EB2D4873A93}"/>
-              </a:ext>
-            </a:extLst>
-          </p:cNvPr>
-          <p:cNvSpPr txBox="1"/>
-          <p:nvPr/>
-        </p:nvSpPr>
-        <p:spPr>
-          <a:xfrm>
-            <a:off x="649703" y="1295400"/>
-            <a:ext cx="6178935" cy="4832092"/>
-          </a:xfrm>
-          <a:prstGeom prst="rect">
-            <a:avLst/>
-          </a:prstGeom>
-          <a:noFill/>
-          <a:ln>
-            <a:noFill/>
-          </a:ln>
-        </p:spPr>
-        <p:txBody>
-          <a:bodyPr lIns="91425" tIns="45700" rIns="91425" bIns="45700" anchor="t" anchorCtr="0">
-            <a:noAutofit/>
-          </a:bodyPr>
-          <a:lstStyle/>
-          <a:p>
-            <a:pPr marL="0" marR="0" lvl="0" indent="0" algn="l" rtl="0">
-              <a:spcBef>
-                <a:spcPts val="0"/>
-              </a:spcBef>
-              <a:buSzPct val="25000"/>
-              <a:buNone/>
-            </a:pPr>
-            <a:r>
-              <a:rPr lang="en-US" sz="2800" dirty="0">
-                <a:sym typeface="Arial"/>
-              </a:rPr>
-              <a:t>The town of </a:t>
-            </a:r>
-            <a:r>
-              <a:rPr lang="en-US" sz="2800" dirty="0" err="1">
-                <a:sym typeface="Arial"/>
-              </a:rPr>
-              <a:t>Chewandswallow</a:t>
-            </a:r>
-            <a:r>
-              <a:rPr lang="en-US" sz="2800" dirty="0">
-                <a:sym typeface="Arial"/>
-              </a:rPr>
-              <a:t> receives random spaghetti storms two days out of every week on average.  </a:t>
-            </a:r>
-          </a:p>
-          <a:p>
-            <a:pPr marL="0" marR="0" lvl="0" indent="0" algn="l" rtl="0">
-              <a:spcBef>
-                <a:spcPts val="0"/>
-              </a:spcBef>
-              <a:buNone/>
-            </a:pPr>
-            <a:endParaRPr sz="2800" dirty="0">
-              <a:sym typeface="Arial"/>
-            </a:endParaRPr>
-          </a:p>
-          <a:p>
-            <a:pPr marL="0" marR="0" lvl="0" indent="0" algn="l" rtl="0">
-              <a:spcBef>
-                <a:spcPts val="0"/>
-              </a:spcBef>
-              <a:buSzPct val="25000"/>
-              <a:buNone/>
-            </a:pPr>
-            <a:r>
-              <a:rPr lang="en-US" sz="2800" dirty="0">
-                <a:sym typeface="Arial"/>
-              </a:rPr>
-              <a:t>A neighborhood group is planning an Italian picnic. What is the chance it will receive three storms in the week prior to this event, so they won’t have to cook?</a:t>
-            </a:r>
-          </a:p>
-        </p:txBody>
-      </p:sp>
-      <p:pic>
-        <p:nvPicPr>
-          <p:cNvPr id="9" name="Shape 340" descr="File:Cloudy with a Chance of Meatballs (book).jpg">
-            <a:extLst>
-              <a:ext uri="{FF2B5EF4-FFF2-40B4-BE49-F238E27FC236}">
-                <a16:creationId xmlns:a16="http://schemas.microsoft.com/office/drawing/2014/main" id="{0057F160-C6C9-40D1-AEF5-D08F15A75FAD}"/>
-              </a:ext>
-            </a:extLst>
-          </p:cNvPr>
-          <p:cNvPicPr preferRelativeResize="0"/>
-          <p:nvPr/>
-        </p:nvPicPr>
-        <p:blipFill rotWithShape="1">
-          <a:blip r:embed="rId2">
-            <a:alphaModFix/>
-          </a:blip>
-          <a:srcRect/>
-          <a:stretch/>
-        </p:blipFill>
-        <p:spPr>
-          <a:xfrm>
-            <a:off x="7910819" y="137965"/>
-            <a:ext cx="3637820" cy="3175685"/>
-          </a:xfrm>
-          <a:prstGeom prst="rect">
-            <a:avLst/>
-          </a:prstGeom>
-          <a:noFill/>
-          <a:ln>
-            <a:noFill/>
-          </a:ln>
-        </p:spPr>
-      </p:pic>
-      <p:pic>
-        <p:nvPicPr>
-          <p:cNvPr id="10" name="Shape 341">
-            <a:extLst>
-              <a:ext uri="{FF2B5EF4-FFF2-40B4-BE49-F238E27FC236}">
-                <a16:creationId xmlns:a16="http://schemas.microsoft.com/office/drawing/2014/main" id="{5F41CE7D-C077-4779-B965-9087476E79CF}"/>
-              </a:ext>
-            </a:extLst>
-          </p:cNvPr>
-          <p:cNvPicPr preferRelativeResize="0"/>
-          <p:nvPr/>
-        </p:nvPicPr>
-        <p:blipFill rotWithShape="1">
-          <a:blip r:embed="rId3">
-            <a:alphaModFix/>
-          </a:blip>
-          <a:srcRect/>
-          <a:stretch/>
-        </p:blipFill>
-        <p:spPr>
-          <a:xfrm>
-            <a:off x="8118496" y="4165134"/>
-            <a:ext cx="2971799" cy="1463655"/>
-          </a:xfrm>
-          <a:prstGeom prst="rect">
-            <a:avLst/>
-          </a:prstGeom>
-          <a:solidFill>
-            <a:schemeClr val="lt1"/>
-          </a:solidFill>
-          <a:ln w="9525" cap="flat" cmpd="sng">
-            <a:solidFill>
-              <a:srgbClr val="C00000"/>
-            </a:solidFill>
-            <a:prstDash val="solid"/>
-            <a:miter/>
-            <a:headEnd type="none" w="med" len="med"/>
-            <a:tailEnd type="none" w="med" len="med"/>
-          </a:ln>
-        </p:spPr>
-      </p:pic>
-    </p:spTree>
-    <p:extLst>
-      <p:ext uri="{BB962C8B-B14F-4D97-AF65-F5344CB8AC3E}">
-        <p14:creationId xmlns:p14="http://schemas.microsoft.com/office/powerpoint/2010/main" val="3457319604"/>
-      </p:ext>
-    </p:extLst>
-  </p:cSld>
-  <p:clrMapOvr>
-    <a:masterClrMapping/>
-  </p:clrMapOvr>
-</p:sld>
-</file>
-
-<file path=ppt/slides/slide11.xml><?xml version="1.0" encoding="utf-8"?>
-<p:sld xmlns:a="http://schemas.openxmlformats.org/drawingml/2006/main" xmlns:r="http://schemas.openxmlformats.org/officeDocument/2006/relationships" xmlns:p="http://schemas.openxmlformats.org/presentationml/2006/main">
-  <p:cSld>
-    <p:spTree>
-      <p:nvGrpSpPr>
-        <p:cNvPr id="1" name=""/>
-        <p:cNvGrpSpPr/>
-        <p:nvPr/>
-      </p:nvGrpSpPr>
-      <p:grpSpPr>
-        <a:xfrm>
-          <a:off x="0" y="0"/>
-          <a:ext cx="0" cy="0"/>
-          <a:chOff x="0" y="0"/>
-          <a:chExt cx="0" cy="0"/>
-        </a:xfrm>
-      </p:grpSpPr>
-      <p:sp>
-        <p:nvSpPr>
-          <p:cNvPr id="7" name="Shape 338">
-            <a:extLst>
-              <a:ext uri="{FF2B5EF4-FFF2-40B4-BE49-F238E27FC236}">
-                <a16:creationId xmlns:a16="http://schemas.microsoft.com/office/drawing/2014/main" id="{C8CF6D31-CFEF-414A-A3C6-C4D4B311EE1D}"/>
-              </a:ext>
-            </a:extLst>
-          </p:cNvPr>
-          <p:cNvSpPr txBox="1"/>
-          <p:nvPr/>
-        </p:nvSpPr>
-        <p:spPr>
-          <a:xfrm>
-            <a:off x="415902" y="465137"/>
-            <a:ext cx="7702594" cy="707886"/>
-          </a:xfrm>
-          <a:prstGeom prst="rect">
-            <a:avLst/>
-          </a:prstGeom>
-          <a:noFill/>
-          <a:ln>
-            <a:noFill/>
-          </a:ln>
-        </p:spPr>
-        <p:txBody>
-          <a:bodyPr lIns="91425" tIns="45700" rIns="91425" bIns="45700" anchor="t" anchorCtr="0">
-            <a:noAutofit/>
-          </a:bodyPr>
-          <a:lstStyle/>
-          <a:p>
-            <a:pPr marL="0" marR="0" lvl="0" indent="0" algn="l" rtl="0">
-              <a:spcBef>
-                <a:spcPts val="0"/>
-              </a:spcBef>
-              <a:buSzPct val="25000"/>
-              <a:buNone/>
-            </a:pPr>
-            <a:r>
-              <a:rPr lang="en-US" sz="4000" dirty="0">
-                <a:latin typeface="+mj-lt"/>
-                <a:sym typeface="Arial"/>
-              </a:rPr>
               <a:t>Z (and t) scores</a:t>
             </a:r>
           </a:p>
@@ -7032,8 +6794,8 @@
           </a:p>
         </p:txBody>
       </p:sp>
-      <mc:AlternateContent xmlns:mc="http://schemas.openxmlformats.org/markup-compatibility/2006">
-        <mc:Choice xmlns:a14="http://schemas.microsoft.com/office/drawing/2010/main" Requires="a14">
+      <mc:AlternateContent xmlns:mc="http://schemas.openxmlformats.org/markup-compatibility/2006" xmlns:a14="http://schemas.microsoft.com/office/drawing/2010/main">
+        <mc:Choice Requires="a14">
           <p:sp>
             <p:nvSpPr>
               <p:cNvPr id="4" name="TextBox 3">
@@ -7062,6 +6824,7 @@
               </a:bodyPr>
               <a:lstStyle/>
               <a:p>
+                <a:pPr/>
                 <a14:m>
                   <m:oMathPara xmlns:m="http://schemas.openxmlformats.org/officeDocument/2006/math">
                     <m:oMathParaPr>
@@ -7107,7 +6870,7 @@
             </p:txBody>
           </p:sp>
         </mc:Choice>
-        <mc:Fallback>
+        <mc:Fallback xmlns="">
           <p:sp>
             <p:nvSpPr>
               <p:cNvPr id="4" name="TextBox 3">
@@ -7202,7 +6965,7 @@
 </p:sld>
 </file>
 
-<file path=ppt/slides/slide12.xml><?xml version="1.0" encoding="utf-8"?>
+<file path=ppt/slides/slide11.xml><?xml version="1.0" encoding="utf-8"?>
 <p:sld xmlns:a="http://schemas.openxmlformats.org/drawingml/2006/main" xmlns:r="http://schemas.openxmlformats.org/officeDocument/2006/relationships" xmlns:p="http://schemas.openxmlformats.org/presentationml/2006/main">
   <p:cSld>
     <p:spTree>
@@ -8788,417 +8551,6 @@
           </a:prstGeom>
         </p:spPr>
       </p:pic>
-      <p:grpSp>
-        <p:nvGrpSpPr>
-          <p:cNvPr id="14" name="Shape 168">
-            <a:extLst>
-              <a:ext uri="{FF2B5EF4-FFF2-40B4-BE49-F238E27FC236}">
-                <a16:creationId xmlns:a16="http://schemas.microsoft.com/office/drawing/2014/main" id="{F090CB34-4613-467A-B787-9B8AA95A1ABD}"/>
-              </a:ext>
-            </a:extLst>
-          </p:cNvPr>
-          <p:cNvGrpSpPr/>
-          <p:nvPr/>
-        </p:nvGrpSpPr>
-        <p:grpSpPr>
-          <a:xfrm>
-            <a:off x="451984" y="1279865"/>
-            <a:ext cx="3502025" cy="1524000"/>
-            <a:chOff x="765175" y="1295400"/>
-            <a:chExt cx="3502025" cy="1524000"/>
-          </a:xfrm>
-        </p:grpSpPr>
-        <p:sp>
-          <p:nvSpPr>
-            <p:cNvPr id="15" name="Shape 169">
-              <a:extLst>
-                <a:ext uri="{FF2B5EF4-FFF2-40B4-BE49-F238E27FC236}">
-                  <a16:creationId xmlns:a16="http://schemas.microsoft.com/office/drawing/2014/main" id="{B8D918BD-258F-4EA8-8ED5-10C37C9A4013}"/>
-                </a:ext>
-              </a:extLst>
-            </p:cNvPr>
-            <p:cNvSpPr/>
-            <p:nvPr/>
-          </p:nvSpPr>
-          <p:spPr>
-            <a:xfrm>
-              <a:off x="765175" y="1295400"/>
-              <a:ext cx="3502025" cy="1524000"/>
-            </a:xfrm>
-            <a:prstGeom prst="rect">
-              <a:avLst/>
-            </a:prstGeom>
-            <a:solidFill>
-              <a:srgbClr val="D8D8D8"/>
-            </a:solidFill>
-            <a:ln w="25400" cap="flat" cmpd="sng">
-              <a:solidFill>
-                <a:srgbClr val="FF0000"/>
-              </a:solidFill>
-              <a:prstDash val="solid"/>
-              <a:round/>
-              <a:headEnd type="none" w="med" len="med"/>
-              <a:tailEnd type="none" w="med" len="med"/>
-            </a:ln>
-          </p:spPr>
-          <p:txBody>
-            <a:bodyPr lIns="91425" tIns="45700" rIns="91425" bIns="45700" anchor="ctr" anchorCtr="0">
-              <a:noAutofit/>
-            </a:bodyPr>
-            <a:lstStyle/>
-            <a:p>
-              <a:pPr marL="0" marR="0" lvl="0" indent="0" algn="ctr" rtl="0">
-                <a:spcBef>
-                  <a:spcPts val="0"/>
-                </a:spcBef>
-                <a:buNone/>
-              </a:pPr>
-              <a:endParaRPr sz="1800" dirty="0">
-                <a:solidFill>
-                  <a:schemeClr val="dk1"/>
-                </a:solidFill>
-                <a:latin typeface="Gill Sans MT" panose="020B0502020104020203" pitchFamily="34" charset="0"/>
-                <a:sym typeface="Arial"/>
-              </a:endParaRPr>
-            </a:p>
-          </p:txBody>
-        </p:sp>
-        <p:sp>
-          <p:nvSpPr>
-            <p:cNvPr id="16" name="Shape 170">
-              <a:extLst>
-                <a:ext uri="{FF2B5EF4-FFF2-40B4-BE49-F238E27FC236}">
-                  <a16:creationId xmlns:a16="http://schemas.microsoft.com/office/drawing/2014/main" id="{E2ABE624-7AAA-484E-BF0A-A1321D3CC4E7}"/>
-                </a:ext>
-              </a:extLst>
-            </p:cNvPr>
-            <p:cNvSpPr txBox="1"/>
-            <p:nvPr/>
-          </p:nvSpPr>
-          <p:spPr>
-            <a:xfrm>
-              <a:off x="942278" y="1752600"/>
-              <a:ext cx="1419922" cy="584774"/>
-            </a:xfrm>
-            <a:prstGeom prst="rect">
-              <a:avLst/>
-            </a:prstGeom>
-            <a:noFill/>
-            <a:ln>
-              <a:noFill/>
-            </a:ln>
-          </p:spPr>
-          <p:txBody>
-            <a:bodyPr lIns="91425" tIns="45700" rIns="91425" bIns="45700" anchor="t" anchorCtr="0">
-              <a:noAutofit/>
-            </a:bodyPr>
-            <a:lstStyle/>
-            <a:p>
-              <a:pPr marL="0" marR="0" lvl="0" indent="0" algn="l" rtl="0">
-                <a:spcBef>
-                  <a:spcPts val="0"/>
-                </a:spcBef>
-                <a:buSzPct val="25000"/>
-                <a:buNone/>
-              </a:pPr>
-              <a:r>
-                <a:rPr lang="en-US" sz="3200" dirty="0">
-                  <a:solidFill>
-                    <a:schemeClr val="dk1"/>
-                  </a:solidFill>
-                  <a:latin typeface="Gill Sans MT" panose="020B0502020104020203" pitchFamily="34" charset="0"/>
-                  <a:sym typeface="Arial"/>
-                </a:rPr>
-                <a:t>P(x) = </a:t>
-              </a:r>
-            </a:p>
-          </p:txBody>
-        </p:sp>
-        <p:sp>
-          <p:nvSpPr>
-            <p:cNvPr id="17" name="Shape 171">
-              <a:extLst>
-                <a:ext uri="{FF2B5EF4-FFF2-40B4-BE49-F238E27FC236}">
-                  <a16:creationId xmlns:a16="http://schemas.microsoft.com/office/drawing/2014/main" id="{E332239C-169D-4083-8D28-7090B09D7268}"/>
-                </a:ext>
-              </a:extLst>
-            </p:cNvPr>
-            <p:cNvSpPr txBox="1"/>
-            <p:nvPr/>
-          </p:nvSpPr>
-          <p:spPr>
-            <a:xfrm>
-              <a:off x="2362200" y="1469504"/>
-              <a:ext cx="1752600" cy="584774"/>
-            </a:xfrm>
-            <a:prstGeom prst="rect">
-              <a:avLst/>
-            </a:prstGeom>
-            <a:noFill/>
-            <a:ln>
-              <a:noFill/>
-            </a:ln>
-          </p:spPr>
-          <p:txBody>
-            <a:bodyPr lIns="91425" tIns="45700" rIns="91425" bIns="45700" anchor="t" anchorCtr="0">
-              <a:noAutofit/>
-            </a:bodyPr>
-            <a:lstStyle/>
-            <a:p>
-              <a:pPr marL="0" marR="0" lvl="0" indent="0" algn="l" rtl="0">
-                <a:spcBef>
-                  <a:spcPts val="0"/>
-                </a:spcBef>
-                <a:buSzPct val="25000"/>
-                <a:buNone/>
-              </a:pPr>
-              <a:r>
-                <a:rPr lang="en-US" sz="3200" dirty="0">
-                  <a:solidFill>
-                    <a:schemeClr val="dk1"/>
-                  </a:solidFill>
-                  <a:latin typeface="Gill Sans MT" panose="020B0502020104020203" pitchFamily="34" charset="0"/>
-                  <a:sym typeface="Arial"/>
-                </a:rPr>
-                <a:t>n! </a:t>
-              </a:r>
-              <a:r>
-                <a:rPr lang="en-US" sz="3200" dirty="0" err="1">
-                  <a:solidFill>
-                    <a:schemeClr val="dk1"/>
-                  </a:solidFill>
-                  <a:latin typeface="Gill Sans MT" panose="020B0502020104020203" pitchFamily="34" charset="0"/>
-                  <a:sym typeface="Arial"/>
-                </a:rPr>
-                <a:t>p</a:t>
-              </a:r>
-              <a:r>
-                <a:rPr lang="en-US" sz="3200" baseline="30000" dirty="0" err="1">
-                  <a:solidFill>
-                    <a:schemeClr val="dk1"/>
-                  </a:solidFill>
-                  <a:latin typeface="Gill Sans MT" panose="020B0502020104020203" pitchFamily="34" charset="0"/>
-                  <a:sym typeface="Arial"/>
-                </a:rPr>
-                <a:t>x</a:t>
-              </a:r>
-              <a:r>
-                <a:rPr lang="en-US" sz="3200" baseline="30000" dirty="0">
-                  <a:solidFill>
-                    <a:schemeClr val="dk1"/>
-                  </a:solidFill>
-                  <a:latin typeface="Gill Sans MT" panose="020B0502020104020203" pitchFamily="34" charset="0"/>
-                  <a:sym typeface="Arial"/>
-                </a:rPr>
-                <a:t> </a:t>
-              </a:r>
-              <a:r>
-                <a:rPr lang="en-US" sz="3200" dirty="0" err="1">
-                  <a:solidFill>
-                    <a:schemeClr val="dk1"/>
-                  </a:solidFill>
-                  <a:latin typeface="Gill Sans MT" panose="020B0502020104020203" pitchFamily="34" charset="0"/>
-                  <a:sym typeface="Arial"/>
-                </a:rPr>
-                <a:t>q</a:t>
-              </a:r>
-              <a:r>
-                <a:rPr lang="en-US" sz="3200" baseline="30000" dirty="0" err="1">
-                  <a:solidFill>
-                    <a:schemeClr val="dk1"/>
-                  </a:solidFill>
-                  <a:latin typeface="Gill Sans MT" panose="020B0502020104020203" pitchFamily="34" charset="0"/>
-                  <a:sym typeface="Arial"/>
-                </a:rPr>
-                <a:t>n</a:t>
-              </a:r>
-              <a:r>
-                <a:rPr lang="en-US" sz="3200" baseline="30000" dirty="0">
-                  <a:solidFill>
-                    <a:schemeClr val="dk1"/>
-                  </a:solidFill>
-                  <a:latin typeface="Gill Sans MT" panose="020B0502020104020203" pitchFamily="34" charset="0"/>
-                  <a:sym typeface="Arial"/>
-                </a:rPr>
-                <a:t>-x</a:t>
-              </a:r>
-            </a:p>
-          </p:txBody>
-        </p:sp>
-        <p:sp>
-          <p:nvSpPr>
-            <p:cNvPr id="18" name="Shape 172">
-              <a:extLst>
-                <a:ext uri="{FF2B5EF4-FFF2-40B4-BE49-F238E27FC236}">
-                  <a16:creationId xmlns:a16="http://schemas.microsoft.com/office/drawing/2014/main" id="{21A5D5DF-E20C-4496-A527-0FCDD71CCFEC}"/>
-                </a:ext>
-              </a:extLst>
-            </p:cNvPr>
-            <p:cNvSpPr txBox="1"/>
-            <p:nvPr/>
-          </p:nvSpPr>
-          <p:spPr>
-            <a:xfrm>
-              <a:off x="2362200" y="2085210"/>
-              <a:ext cx="1752600" cy="584774"/>
-            </a:xfrm>
-            <a:prstGeom prst="rect">
-              <a:avLst/>
-            </a:prstGeom>
-            <a:noFill/>
-            <a:ln>
-              <a:noFill/>
-            </a:ln>
-          </p:spPr>
-          <p:txBody>
-            <a:bodyPr lIns="91425" tIns="45700" rIns="91425" bIns="45700" anchor="t" anchorCtr="0">
-              <a:noAutofit/>
-            </a:bodyPr>
-            <a:lstStyle/>
-            <a:p>
-              <a:pPr marL="0" marR="0" lvl="0" indent="0" algn="l" rtl="0">
-                <a:spcBef>
-                  <a:spcPts val="0"/>
-                </a:spcBef>
-                <a:buSzPct val="25000"/>
-                <a:buNone/>
-              </a:pPr>
-              <a:r>
-                <a:rPr lang="en-US" sz="3200" dirty="0">
-                  <a:solidFill>
-                    <a:schemeClr val="dk1"/>
-                  </a:solidFill>
-                  <a:latin typeface="Gill Sans MT" panose="020B0502020104020203" pitchFamily="34" charset="0"/>
-                  <a:sym typeface="Arial"/>
-                </a:rPr>
-                <a:t>x! (n-x)!</a:t>
-              </a:r>
-            </a:p>
-          </p:txBody>
-        </p:sp>
-        <p:cxnSp>
-          <p:nvCxnSpPr>
-            <p:cNvPr id="19" name="Shape 173">
-              <a:extLst>
-                <a:ext uri="{FF2B5EF4-FFF2-40B4-BE49-F238E27FC236}">
-                  <a16:creationId xmlns:a16="http://schemas.microsoft.com/office/drawing/2014/main" id="{43521D64-85D0-4BB3-9624-9A48FB316E9E}"/>
-                </a:ext>
-              </a:extLst>
-            </p:cNvPr>
-            <p:cNvCxnSpPr>
-              <a:stCxn id="16" idx="3"/>
-            </p:cNvCxnSpPr>
-            <p:nvPr/>
-          </p:nvCxnSpPr>
-          <p:spPr>
-            <a:xfrm>
-              <a:off x="2362200" y="2044987"/>
-              <a:ext cx="1752599" cy="0"/>
-            </a:xfrm>
-            <a:prstGeom prst="straightConnector1">
-              <a:avLst/>
-            </a:prstGeom>
-            <a:noFill/>
-            <a:ln w="9525" cap="flat" cmpd="sng">
-              <a:solidFill>
-                <a:schemeClr val="dk1"/>
-              </a:solidFill>
-              <a:prstDash val="solid"/>
-              <a:round/>
-              <a:headEnd type="none" w="med" len="med"/>
-              <a:tailEnd type="none" w="med" len="med"/>
-            </a:ln>
-          </p:spPr>
-        </p:cxnSp>
-      </p:grpSp>
-      <p:sp>
-        <p:nvSpPr>
-          <p:cNvPr id="20" name="Shape 174">
-            <a:extLst>
-              <a:ext uri="{FF2B5EF4-FFF2-40B4-BE49-F238E27FC236}">
-                <a16:creationId xmlns:a16="http://schemas.microsoft.com/office/drawing/2014/main" id="{465D0D0A-5F2D-4B2B-82EB-4B547F15FF1B}"/>
-              </a:ext>
-            </a:extLst>
-          </p:cNvPr>
-          <p:cNvSpPr txBox="1"/>
-          <p:nvPr/>
-        </p:nvSpPr>
-        <p:spPr>
-          <a:xfrm>
-            <a:off x="391510" y="2977969"/>
-            <a:ext cx="4698300" cy="1569600"/>
-          </a:xfrm>
-          <a:prstGeom prst="rect">
-            <a:avLst/>
-          </a:prstGeom>
-          <a:noFill/>
-          <a:ln>
-            <a:noFill/>
-          </a:ln>
-        </p:spPr>
-        <p:txBody>
-          <a:bodyPr lIns="91425" tIns="45700" rIns="91425" bIns="45700" anchor="t" anchorCtr="0">
-            <a:noAutofit/>
-          </a:bodyPr>
-          <a:lstStyle/>
-          <a:p>
-            <a:pPr lvl="0">
-              <a:buSzPct val="25000"/>
-            </a:pPr>
-            <a:r>
-              <a:rPr lang="en-US" sz="3000" dirty="0">
-                <a:sym typeface="Arial"/>
-              </a:rPr>
-              <a:t>X = # of “successes”</a:t>
-            </a:r>
-          </a:p>
-          <a:p>
-            <a:pPr marL="0" marR="0" lvl="0" indent="0" algn="l" rtl="0">
-              <a:spcBef>
-                <a:spcPts val="0"/>
-              </a:spcBef>
-              <a:buSzPct val="25000"/>
-              <a:buNone/>
-            </a:pPr>
-            <a:r>
-              <a:rPr lang="en-US" sz="3000" dirty="0">
-                <a:sym typeface="Arial"/>
-              </a:rPr>
-              <a:t>N= # of trials</a:t>
-            </a:r>
-          </a:p>
-          <a:p>
-            <a:pPr marL="0" marR="0" lvl="0" indent="0" algn="l" rtl="0">
-              <a:spcBef>
-                <a:spcPts val="0"/>
-              </a:spcBef>
-              <a:buSzPct val="25000"/>
-              <a:buNone/>
-            </a:pPr>
-            <a:r>
-              <a:rPr lang="en-US" sz="3000" dirty="0">
-                <a:sym typeface="Arial"/>
-              </a:rPr>
-              <a:t>P = probability of success</a:t>
-            </a:r>
-          </a:p>
-          <a:p>
-            <a:pPr marL="0" marR="0" lvl="0" indent="0" algn="l" rtl="0">
-              <a:spcBef>
-                <a:spcPts val="0"/>
-              </a:spcBef>
-              <a:buSzPct val="25000"/>
-              <a:buNone/>
-            </a:pPr>
-            <a:r>
-              <a:rPr lang="en-US" sz="3000" dirty="0">
-                <a:sym typeface="Arial"/>
-              </a:rPr>
-              <a:t>q = probability of failure</a:t>
-            </a:r>
-          </a:p>
-        </p:txBody>
-      </p:sp>
       <p:graphicFrame>
         <p:nvGraphicFramePr>
           <p:cNvPr id="2" name="Table 1">
@@ -9214,7 +8566,7 @@
           <p:nvPr>
             <p:extLst>
               <p:ext uri="{D42A27DB-BD31-4B8C-83A1-F6EECF244321}">
-                <p14:modId xmlns:p14="http://schemas.microsoft.com/office/powerpoint/2010/main" val="1848831316"/>
+                <p14:modId xmlns:p14="http://schemas.microsoft.com/office/powerpoint/2010/main" val="2035031460"/>
               </p:ext>
             </p:extLst>
           </p:nvPr>
@@ -9685,15 +9037,15 @@
         </p:nvSpPr>
         <p:spPr>
           <a:xfrm>
-            <a:off x="804785" y="5219365"/>
-            <a:ext cx="8008474" cy="1200329"/>
+            <a:off x="538455" y="1091248"/>
+            <a:ext cx="5089988" cy="2554545"/>
           </a:xfrm>
           <a:prstGeom prst="rect">
             <a:avLst/>
           </a:prstGeom>
         </p:spPr>
         <p:txBody>
-          <a:bodyPr wrap="none">
+          <a:bodyPr wrap="square">
             <a:spAutoFit/>
           </a:bodyPr>
           <a:lstStyle/>
@@ -9702,17 +9054,17 @@
               <a:buSzPct val="25000"/>
             </a:pPr>
             <a:r>
-              <a:rPr lang="en-US" sz="2400" dirty="0">
+              <a:rPr lang="en-US" sz="3200" dirty="0">
                 <a:sym typeface="Arial"/>
               </a:rPr>
-              <a:t>What’s the probability that you will roll a 4 or less in 3 rolls?</a:t>
+              <a:t>Let’s all roll our dice once.</a:t>
             </a:r>
           </a:p>
           <a:p>
             <a:pPr lvl="0">
               <a:buSzPct val="25000"/>
             </a:pPr>
-            <a:endParaRPr lang="en-US" sz="2400" dirty="0">
+            <a:endParaRPr lang="en-US" sz="3200" dirty="0">
               <a:sym typeface="Arial"/>
             </a:endParaRPr>
           </a:p>
@@ -9721,10 +9073,10 @@
               <a:buSzPct val="25000"/>
             </a:pPr>
             <a:r>
-              <a:rPr lang="en-US" sz="2400" dirty="0">
+              <a:rPr lang="en-US" sz="3200" dirty="0">
                 <a:sym typeface="Arial"/>
               </a:rPr>
-              <a:t>What’s the probability that you’ll roll an 8 or greater?</a:t>
+              <a:t>How do the observed outcomes match up with the probabilities?</a:t>
             </a:r>
           </a:p>
         </p:txBody>
@@ -9761,10 +9113,10 @@
       </p:grpSpPr>
       <p:sp>
         <p:nvSpPr>
-          <p:cNvPr id="5" name="TextBox 4">
+          <p:cNvPr id="6" name="TextBox 5">
             <a:extLst>
               <a:ext uri="{FF2B5EF4-FFF2-40B4-BE49-F238E27FC236}">
-                <a16:creationId xmlns:a16="http://schemas.microsoft.com/office/drawing/2014/main" id="{FA5F942F-37DE-48F6-A7DD-6366FD540EE5}"/>
+                <a16:creationId xmlns:a16="http://schemas.microsoft.com/office/drawing/2014/main" id="{712AC8CF-13A3-4593-9053-122027377F90}"/>
               </a:ext>
             </a:extLst>
           </p:cNvPr>
@@ -9773,8 +9125,8 @@
         </p:nvSpPr>
         <p:spPr>
           <a:xfrm>
-            <a:off x="67112" y="101426"/>
-            <a:ext cx="4234877" cy="646331"/>
+            <a:off x="226503" y="167780"/>
+            <a:ext cx="4697120" cy="646331"/>
           </a:xfrm>
           <a:prstGeom prst="rect">
             <a:avLst/>
@@ -9789,17 +9141,17 @@
           <a:p>
             <a:r>
               <a:rPr lang="en-US" sz="3600" b="1" dirty="0"/>
-              <a:t>Poisson distribution</a:t>
+              <a:t>Binomial distribution</a:t>
             </a:r>
           </a:p>
         </p:txBody>
       </p:sp>
       <p:pic>
         <p:nvPicPr>
-          <p:cNvPr id="13" name="Picture 12">
+          <p:cNvPr id="4" name="Picture 3">
             <a:extLst>
               <a:ext uri="{FF2B5EF4-FFF2-40B4-BE49-F238E27FC236}">
-                <a16:creationId xmlns:a16="http://schemas.microsoft.com/office/drawing/2014/main" id="{34CC9D39-9FB6-46BE-AF84-99197D0B1446}"/>
+                <a16:creationId xmlns:a16="http://schemas.microsoft.com/office/drawing/2014/main" id="{E9491D92-2939-46A9-82A9-56EADCE350A6}"/>
               </a:ext>
             </a:extLst>
           </p:cNvPr>
@@ -9809,78 +9161,366 @@
           <p:nvPr/>
         </p:nvPicPr>
         <p:blipFill>
-          <a:blip r:embed="rId2"/>
+          <a:blip r:embed="rId2">
+            <a:extLst>
+              <a:ext uri="{28A0092B-C50C-407E-A947-70E740481C1C}">
+                <a14:useLocalDpi xmlns:a14="http://schemas.microsoft.com/office/drawing/2010/main" val="0"/>
+              </a:ext>
+            </a:extLst>
+          </a:blip>
           <a:stretch>
             <a:fillRect/>
           </a:stretch>
         </p:blipFill>
         <p:spPr>
           <a:xfrm>
-            <a:off x="7585211" y="357144"/>
-            <a:ext cx="4321110" cy="2855840"/>
+            <a:off x="10461071" y="5159762"/>
+            <a:ext cx="1610687" cy="1610687"/>
           </a:xfrm>
           <a:prstGeom prst="rect">
             <a:avLst/>
           </a:prstGeom>
         </p:spPr>
       </p:pic>
-      <p:pic>
-        <p:nvPicPr>
-          <p:cNvPr id="14" name="Shape 284">
+      <p:grpSp>
+        <p:nvGrpSpPr>
+          <p:cNvPr id="14" name="Shape 168">
             <a:extLst>
               <a:ext uri="{FF2B5EF4-FFF2-40B4-BE49-F238E27FC236}">
-                <a16:creationId xmlns:a16="http://schemas.microsoft.com/office/drawing/2014/main" id="{030F4DA7-EBB0-4280-AE40-377DC641AE03}"/>
+                <a16:creationId xmlns:a16="http://schemas.microsoft.com/office/drawing/2014/main" id="{F090CB34-4613-467A-B787-9B8AA95A1ABD}"/>
               </a:ext>
             </a:extLst>
           </p:cNvPr>
-          <p:cNvPicPr preferRelativeResize="0"/>
+          <p:cNvGrpSpPr/>
           <p:nvPr/>
-        </p:nvPicPr>
-        <p:blipFill rotWithShape="1">
-          <a:blip r:embed="rId3">
-            <a:alphaModFix/>
-          </a:blip>
-          <a:srcRect/>
-          <a:stretch/>
-        </p:blipFill>
-        <p:spPr>
-          <a:xfrm>
-            <a:off x="573947" y="968929"/>
-            <a:ext cx="2971799" cy="1463655"/>
-          </a:xfrm>
-          <a:prstGeom prst="rect">
-            <a:avLst/>
-          </a:prstGeom>
-          <a:solidFill>
-            <a:schemeClr val="lt1"/>
-          </a:solidFill>
-          <a:ln w="9525" cap="flat" cmpd="sng">
+        </p:nvGrpSpPr>
+        <p:grpSpPr>
+          <a:xfrm>
+            <a:off x="451984" y="1279865"/>
+            <a:ext cx="3502025" cy="1524000"/>
+            <a:chOff x="765175" y="1295400"/>
+            <a:chExt cx="3502025" cy="1524000"/>
+          </a:xfrm>
+        </p:grpSpPr>
+        <p:sp>
+          <p:nvSpPr>
+            <p:cNvPr id="15" name="Shape 169">
+              <a:extLst>
+                <a:ext uri="{FF2B5EF4-FFF2-40B4-BE49-F238E27FC236}">
+                  <a16:creationId xmlns:a16="http://schemas.microsoft.com/office/drawing/2014/main" id="{B8D918BD-258F-4EA8-8ED5-10C37C9A4013}"/>
+                </a:ext>
+              </a:extLst>
+            </p:cNvPr>
+            <p:cNvSpPr/>
+            <p:nvPr/>
+          </p:nvSpPr>
+          <p:spPr>
+            <a:xfrm>
+              <a:off x="765175" y="1295400"/>
+              <a:ext cx="3502025" cy="1524000"/>
+            </a:xfrm>
+            <a:prstGeom prst="rect">
+              <a:avLst/>
+            </a:prstGeom>
             <a:solidFill>
-              <a:srgbClr val="C00000"/>
+              <a:srgbClr val="D8D8D8"/>
             </a:solidFill>
-            <a:prstDash val="solid"/>
-            <a:miter/>
-            <a:headEnd type="none" w="med" len="med"/>
-            <a:tailEnd type="none" w="med" len="med"/>
-          </a:ln>
-        </p:spPr>
-      </p:pic>
-      <p:sp>
-        <p:nvSpPr>
-          <p:cNvPr id="15" name="Shape 285">
+            <a:ln w="25400" cap="flat" cmpd="sng">
+              <a:solidFill>
+                <a:srgbClr val="FF0000"/>
+              </a:solidFill>
+              <a:prstDash val="solid"/>
+              <a:round/>
+              <a:headEnd type="none" w="med" len="med"/>
+              <a:tailEnd type="none" w="med" len="med"/>
+            </a:ln>
+          </p:spPr>
+          <p:txBody>
+            <a:bodyPr lIns="91425" tIns="45700" rIns="91425" bIns="45700" anchor="ctr" anchorCtr="0">
+              <a:noAutofit/>
+            </a:bodyPr>
+            <a:lstStyle/>
+            <a:p>
+              <a:pPr marL="0" marR="0" lvl="0" indent="0" algn="ctr" rtl="0">
+                <a:spcBef>
+                  <a:spcPts val="0"/>
+                </a:spcBef>
+                <a:buNone/>
+              </a:pPr>
+              <a:endParaRPr sz="1800" dirty="0">
+                <a:solidFill>
+                  <a:schemeClr val="dk1"/>
+                </a:solidFill>
+                <a:latin typeface="Gill Sans MT" panose="020B0502020104020203" pitchFamily="34" charset="0"/>
+                <a:sym typeface="Arial"/>
+              </a:endParaRPr>
+            </a:p>
+          </p:txBody>
+        </p:sp>
+        <p:sp>
+          <p:nvSpPr>
+            <p:cNvPr id="16" name="Shape 170">
+              <a:extLst>
+                <a:ext uri="{FF2B5EF4-FFF2-40B4-BE49-F238E27FC236}">
+                  <a16:creationId xmlns:a16="http://schemas.microsoft.com/office/drawing/2014/main" id="{E2ABE624-7AAA-484E-BF0A-A1321D3CC4E7}"/>
+                </a:ext>
+              </a:extLst>
+            </p:cNvPr>
+            <p:cNvSpPr txBox="1"/>
+            <p:nvPr/>
+          </p:nvSpPr>
+          <p:spPr>
+            <a:xfrm>
+              <a:off x="942278" y="1752600"/>
+              <a:ext cx="1419922" cy="584774"/>
+            </a:xfrm>
+            <a:prstGeom prst="rect">
+              <a:avLst/>
+            </a:prstGeom>
+            <a:noFill/>
+            <a:ln>
+              <a:noFill/>
+            </a:ln>
+          </p:spPr>
+          <p:txBody>
+            <a:bodyPr lIns="91425" tIns="45700" rIns="91425" bIns="45700" anchor="t" anchorCtr="0">
+              <a:noAutofit/>
+            </a:bodyPr>
+            <a:lstStyle/>
+            <a:p>
+              <a:pPr marL="0" marR="0" lvl="0" indent="0" algn="l" rtl="0">
+                <a:spcBef>
+                  <a:spcPts val="0"/>
+                </a:spcBef>
+                <a:buSzPct val="25000"/>
+                <a:buNone/>
+              </a:pPr>
+              <a:r>
+                <a:rPr lang="en-US" sz="3200" dirty="0">
+                  <a:solidFill>
+                    <a:schemeClr val="dk1"/>
+                  </a:solidFill>
+                  <a:latin typeface="Gill Sans MT" panose="020B0502020104020203" pitchFamily="34" charset="0"/>
+                  <a:sym typeface="Arial"/>
+                </a:rPr>
+                <a:t>P(x) = </a:t>
+              </a:r>
+            </a:p>
+          </p:txBody>
+        </p:sp>
+        <p:sp>
+          <p:nvSpPr>
+            <p:cNvPr id="17" name="Shape 171">
+              <a:extLst>
+                <a:ext uri="{FF2B5EF4-FFF2-40B4-BE49-F238E27FC236}">
+                  <a16:creationId xmlns:a16="http://schemas.microsoft.com/office/drawing/2014/main" id="{E332239C-169D-4083-8D28-7090B09D7268}"/>
+                </a:ext>
+              </a:extLst>
+            </p:cNvPr>
+            <p:cNvSpPr txBox="1"/>
+            <p:nvPr/>
+          </p:nvSpPr>
+          <p:spPr>
+            <a:xfrm>
+              <a:off x="2362200" y="1469504"/>
+              <a:ext cx="1752600" cy="584774"/>
+            </a:xfrm>
+            <a:prstGeom prst="rect">
+              <a:avLst/>
+            </a:prstGeom>
+            <a:noFill/>
+            <a:ln>
+              <a:noFill/>
+            </a:ln>
+          </p:spPr>
+          <p:txBody>
+            <a:bodyPr lIns="91425" tIns="45700" rIns="91425" bIns="45700" anchor="t" anchorCtr="0">
+              <a:noAutofit/>
+            </a:bodyPr>
+            <a:lstStyle/>
+            <a:p>
+              <a:pPr marL="0" marR="0" lvl="0" indent="0" algn="l" rtl="0">
+                <a:spcBef>
+                  <a:spcPts val="0"/>
+                </a:spcBef>
+                <a:buSzPct val="25000"/>
+                <a:buNone/>
+              </a:pPr>
+              <a:r>
+                <a:rPr lang="en-US" sz="3200" dirty="0">
+                  <a:solidFill>
+                    <a:schemeClr val="dk1"/>
+                  </a:solidFill>
+                  <a:latin typeface="Gill Sans MT" panose="020B0502020104020203" pitchFamily="34" charset="0"/>
+                  <a:sym typeface="Arial"/>
+                </a:rPr>
+                <a:t>n! </a:t>
+              </a:r>
+              <a:r>
+                <a:rPr lang="en-US" sz="3200" dirty="0" err="1">
+                  <a:solidFill>
+                    <a:schemeClr val="dk1"/>
+                  </a:solidFill>
+                  <a:latin typeface="Gill Sans MT" panose="020B0502020104020203" pitchFamily="34" charset="0"/>
+                  <a:sym typeface="Arial"/>
+                </a:rPr>
+                <a:t>p</a:t>
+              </a:r>
+              <a:r>
+                <a:rPr lang="en-US" sz="3200" baseline="30000" dirty="0" err="1">
+                  <a:solidFill>
+                    <a:schemeClr val="dk1"/>
+                  </a:solidFill>
+                  <a:latin typeface="Gill Sans MT" panose="020B0502020104020203" pitchFamily="34" charset="0"/>
+                  <a:sym typeface="Arial"/>
+                </a:rPr>
+                <a:t>x</a:t>
+              </a:r>
+              <a:r>
+                <a:rPr lang="en-US" sz="3200" baseline="30000" dirty="0">
+                  <a:solidFill>
+                    <a:schemeClr val="dk1"/>
+                  </a:solidFill>
+                  <a:latin typeface="Gill Sans MT" panose="020B0502020104020203" pitchFamily="34" charset="0"/>
+                  <a:sym typeface="Arial"/>
+                </a:rPr>
+                <a:t> </a:t>
+              </a:r>
+              <a:r>
+                <a:rPr lang="en-US" sz="3200" dirty="0" err="1">
+                  <a:solidFill>
+                    <a:schemeClr val="dk1"/>
+                  </a:solidFill>
+                  <a:latin typeface="Gill Sans MT" panose="020B0502020104020203" pitchFamily="34" charset="0"/>
+                  <a:sym typeface="Arial"/>
+                </a:rPr>
+                <a:t>q</a:t>
+              </a:r>
+              <a:r>
+                <a:rPr lang="en-US" sz="3200" baseline="30000" dirty="0" err="1">
+                  <a:solidFill>
+                    <a:schemeClr val="dk1"/>
+                  </a:solidFill>
+                  <a:latin typeface="Gill Sans MT" panose="020B0502020104020203" pitchFamily="34" charset="0"/>
+                  <a:sym typeface="Arial"/>
+                </a:rPr>
+                <a:t>n</a:t>
+              </a:r>
+              <a:r>
+                <a:rPr lang="en-US" sz="3200" baseline="30000" dirty="0">
+                  <a:solidFill>
+                    <a:schemeClr val="dk1"/>
+                  </a:solidFill>
+                  <a:latin typeface="Gill Sans MT" panose="020B0502020104020203" pitchFamily="34" charset="0"/>
+                  <a:sym typeface="Arial"/>
+                </a:rPr>
+                <a:t>-x</a:t>
+              </a:r>
+            </a:p>
+          </p:txBody>
+        </p:sp>
+        <p:sp>
+          <p:nvSpPr>
+            <p:cNvPr id="18" name="Shape 172">
+              <a:extLst>
+                <a:ext uri="{FF2B5EF4-FFF2-40B4-BE49-F238E27FC236}">
+                  <a16:creationId xmlns:a16="http://schemas.microsoft.com/office/drawing/2014/main" id="{21A5D5DF-E20C-4496-A527-0FCDD71CCFEC}"/>
+                </a:ext>
+              </a:extLst>
+            </p:cNvPr>
+            <p:cNvSpPr txBox="1"/>
+            <p:nvPr/>
+          </p:nvSpPr>
+          <p:spPr>
+            <a:xfrm>
+              <a:off x="2362200" y="2085210"/>
+              <a:ext cx="1752600" cy="584774"/>
+            </a:xfrm>
+            <a:prstGeom prst="rect">
+              <a:avLst/>
+            </a:prstGeom>
+            <a:noFill/>
+            <a:ln>
+              <a:noFill/>
+            </a:ln>
+          </p:spPr>
+          <p:txBody>
+            <a:bodyPr lIns="91425" tIns="45700" rIns="91425" bIns="45700" anchor="t" anchorCtr="0">
+              <a:noAutofit/>
+            </a:bodyPr>
+            <a:lstStyle/>
+            <a:p>
+              <a:pPr marL="0" marR="0" lvl="0" indent="0" algn="l" rtl="0">
+                <a:spcBef>
+                  <a:spcPts val="0"/>
+                </a:spcBef>
+                <a:buSzPct val="25000"/>
+                <a:buNone/>
+              </a:pPr>
+              <a:r>
+                <a:rPr lang="en-US" sz="3200" dirty="0">
+                  <a:solidFill>
+                    <a:schemeClr val="dk1"/>
+                  </a:solidFill>
+                  <a:latin typeface="Gill Sans MT" panose="020B0502020104020203" pitchFamily="34" charset="0"/>
+                  <a:sym typeface="Arial"/>
+                </a:rPr>
+                <a:t>x! (n-x)!</a:t>
+              </a:r>
+            </a:p>
+          </p:txBody>
+        </p:sp>
+        <p:cxnSp>
+          <p:nvCxnSpPr>
+            <p:cNvPr id="19" name="Shape 173">
+              <a:extLst>
+                <a:ext uri="{FF2B5EF4-FFF2-40B4-BE49-F238E27FC236}">
+                  <a16:creationId xmlns:a16="http://schemas.microsoft.com/office/drawing/2014/main" id="{43521D64-85D0-4BB3-9624-9A48FB316E9E}"/>
+                </a:ext>
+              </a:extLst>
+            </p:cNvPr>
+            <p:cNvCxnSpPr>
+              <a:stCxn id="16" idx="3"/>
+            </p:cNvCxnSpPr>
+            <p:nvPr/>
+          </p:nvCxnSpPr>
+          <p:spPr>
+            <a:xfrm>
+              <a:off x="2362200" y="2044987"/>
+              <a:ext cx="1752599" cy="0"/>
+            </a:xfrm>
+            <a:prstGeom prst="straightConnector1">
+              <a:avLst/>
+            </a:prstGeom>
+            <a:noFill/>
+            <a:ln w="9525" cap="flat" cmpd="sng">
+              <a:solidFill>
+                <a:schemeClr val="dk1"/>
+              </a:solidFill>
+              <a:prstDash val="solid"/>
+              <a:round/>
+              <a:headEnd type="none" w="med" len="med"/>
+              <a:tailEnd type="none" w="med" len="med"/>
+            </a:ln>
+          </p:spPr>
+        </p:cxnSp>
+      </p:grpSp>
+      <p:sp>
+        <p:nvSpPr>
+          <p:cNvPr id="20" name="Shape 174">
             <a:extLst>
               <a:ext uri="{FF2B5EF4-FFF2-40B4-BE49-F238E27FC236}">
-                <a16:creationId xmlns:a16="http://schemas.microsoft.com/office/drawing/2014/main" id="{D9209329-90D6-46D7-A890-798ABEAC41AF}"/>
+                <a16:creationId xmlns:a16="http://schemas.microsoft.com/office/drawing/2014/main" id="{465D0D0A-5F2D-4B2B-82EB-4B547F15FF1B}"/>
               </a:ext>
             </a:extLst>
           </p:cNvPr>
-          <p:cNvSpPr/>
+          <p:cNvSpPr txBox="1"/>
           <p:nvPr/>
         </p:nvSpPr>
         <p:spPr>
           <a:xfrm>
-            <a:off x="573947" y="2551837"/>
-            <a:ext cx="7699737" cy="1754325"/>
+            <a:off x="391510" y="2977969"/>
+            <a:ext cx="4698300" cy="1569600"/>
           </a:xfrm>
           <a:prstGeom prst="rect">
             <a:avLst/>
@@ -9896,6 +9536,29 @@
           </a:bodyPr>
           <a:lstStyle/>
           <a:p>
+            <a:pPr lvl="0">
+              <a:buSzPct val="25000"/>
+            </a:pPr>
+            <a:r>
+              <a:rPr lang="en-US" sz="3000" dirty="0">
+                <a:sym typeface="Arial"/>
+              </a:rPr>
+              <a:t>x</a:t>
+            </a:r>
+            <a:r>
+              <a:rPr lang="en-US" sz="3000">
+                <a:sym typeface="Arial"/>
+              </a:rPr>
+              <a:t> </a:t>
+            </a:r>
+            <a:r>
+              <a:rPr lang="en-US" sz="3000" dirty="0">
+                <a:sym typeface="Arial"/>
+              </a:rPr>
+              <a:t>= # of “successes”</a:t>
+            </a:r>
+          </a:p>
+          <a:p>
             <a:pPr marL="0" marR="0" lvl="0" indent="0" algn="l" rtl="0">
               <a:spcBef>
                 <a:spcPts val="0"/>
@@ -9904,30 +9567,10 @@
               <a:buNone/>
             </a:pPr>
             <a:r>
-              <a:rPr lang="en-US" sz="2800" dirty="0">
-                <a:ea typeface="Arial"/>
-                <a:cs typeface="Arial" panose="020B0604020202020204" pitchFamily="34" charset="0"/>
+              <a:rPr lang="en-US" sz="3000" dirty="0">
                 <a:sym typeface="Arial"/>
               </a:rPr>
-              <a:t>λ </a:t>
-            </a:r>
-            <a:r>
-              <a:rPr lang="en-US" sz="2800" dirty="0">
-                <a:sym typeface="Arial"/>
-              </a:rPr>
-              <a:t>= rate of </a:t>
-            </a:r>
-            <a:r>
-              <a:rPr lang="en-US" sz="2800" dirty="0" err="1">
-                <a:sym typeface="Arial"/>
-              </a:rPr>
-              <a:t>occurence</a:t>
-            </a:r>
-            <a:r>
-              <a:rPr lang="en-US" sz="2800" dirty="0">
-                <a:sym typeface="Arial"/>
-              </a:rPr>
-              <a:t> per unit time</a:t>
+              <a:t>n = # of trials</a:t>
             </a:r>
           </a:p>
           <a:p>
@@ -9939,10 +9582,10 @@
               <a:buNone/>
             </a:pPr>
             <a:r>
-              <a:rPr lang="en-US" sz="2800" dirty="0">
+              <a:rPr lang="en-US" sz="3000" dirty="0">
                 <a:sym typeface="Arial"/>
               </a:rPr>
-              <a:t>x = # of occurrences you are testing for</a:t>
+              <a:t>p = probability of success</a:t>
             </a:r>
           </a:p>
           <a:p>
@@ -9954,57 +9597,529 @@
               <a:buNone/>
             </a:pPr>
             <a:r>
+              <a:rPr lang="en-US" sz="3000" dirty="0">
+                <a:sym typeface="Arial"/>
+              </a:rPr>
+              <a:t>q = probability of failure</a:t>
+            </a:r>
+          </a:p>
+        </p:txBody>
+      </p:sp>
+      <p:graphicFrame>
+        <p:nvGraphicFramePr>
+          <p:cNvPr id="2" name="Table 1">
+            <a:extLst>
+              <a:ext uri="{FF2B5EF4-FFF2-40B4-BE49-F238E27FC236}">
+                <a16:creationId xmlns:a16="http://schemas.microsoft.com/office/drawing/2014/main" id="{7102CE86-C2D2-4A24-A629-D98597049B70}"/>
+              </a:ext>
+            </a:extLst>
+          </p:cNvPr>
+          <p:cNvGraphicFramePr>
+            <a:graphicFrameLocks noGrp="1"/>
+          </p:cNvGraphicFramePr>
+          <p:nvPr>
+            <p:extLst/>
+          </p:nvPr>
+        </p:nvGraphicFramePr>
+        <p:xfrm>
+          <a:off x="5927341" y="624545"/>
+          <a:ext cx="6038156" cy="4358640"/>
+        </p:xfrm>
+        <a:graphic>
+          <a:graphicData uri="http://schemas.openxmlformats.org/drawingml/2006/table">
+            <a:tbl>
+              <a:tblPr>
+                <a:tableStyleId>{616DA210-FB5B-4158-B5E0-FEB733F419BA}</a:tableStyleId>
+              </a:tblPr>
+              <a:tblGrid>
+                <a:gridCol w="3019078">
+                  <a:extLst>
+                    <a:ext uri="{9D8B030D-6E8A-4147-A177-3AD203B41FA5}">
+                      <a16:colId xmlns:a16="http://schemas.microsoft.com/office/drawing/2014/main" val="880371999"/>
+                    </a:ext>
+                  </a:extLst>
+                </a:gridCol>
+                <a:gridCol w="3019078">
+                  <a:extLst>
+                    <a:ext uri="{9D8B030D-6E8A-4147-A177-3AD203B41FA5}">
+                      <a16:colId xmlns:a16="http://schemas.microsoft.com/office/drawing/2014/main" val="3796266470"/>
+                    </a:ext>
+                  </a:extLst>
+                </a:gridCol>
+              </a:tblGrid>
+              <a:tr h="365760">
+                <a:tc>
+                  <a:txBody>
+                    <a:bodyPr/>
+                    <a:lstStyle/>
+                    <a:p>
+                      <a:pPr algn="ctr"/>
+                      <a:r>
+                        <a:rPr lang="en-US" sz="2000"/>
+                        <a:t>2</a:t>
+                      </a:r>
+                    </a:p>
+                  </a:txBody>
+                  <a:tcPr anchor="ctr"/>
+                </a:tc>
+                <a:tc>
+                  <a:txBody>
+                    <a:bodyPr/>
+                    <a:lstStyle/>
+                    <a:p>
+                      <a:pPr algn="ctr"/>
+                      <a:r>
+                        <a:rPr lang="en-US" sz="2000" dirty="0"/>
+                        <a:t>1/36 (2.778%)</a:t>
+                      </a:r>
+                    </a:p>
+                  </a:txBody>
+                  <a:tcPr anchor="ctr"/>
+                </a:tc>
+                <a:extLst>
+                  <a:ext uri="{0D108BD9-81ED-4DB2-BD59-A6C34878D82A}">
+                    <a16:rowId xmlns:a16="http://schemas.microsoft.com/office/drawing/2014/main" val="4050779490"/>
+                  </a:ext>
+                </a:extLst>
+              </a:tr>
+              <a:tr h="365760">
+                <a:tc>
+                  <a:txBody>
+                    <a:bodyPr/>
+                    <a:lstStyle/>
+                    <a:p>
+                      <a:pPr algn="ctr"/>
+                      <a:r>
+                        <a:rPr lang="en-US" sz="2000"/>
+                        <a:t>3</a:t>
+                      </a:r>
+                    </a:p>
+                  </a:txBody>
+                  <a:tcPr anchor="ctr"/>
+                </a:tc>
+                <a:tc>
+                  <a:txBody>
+                    <a:bodyPr/>
+                    <a:lstStyle/>
+                    <a:p>
+                      <a:pPr algn="ctr"/>
+                      <a:r>
+                        <a:rPr lang="en-US" sz="2000"/>
+                        <a:t>2/36 (5.556%)</a:t>
+                      </a:r>
+                    </a:p>
+                  </a:txBody>
+                  <a:tcPr anchor="ctr"/>
+                </a:tc>
+                <a:extLst>
+                  <a:ext uri="{0D108BD9-81ED-4DB2-BD59-A6C34878D82A}">
+                    <a16:rowId xmlns:a16="http://schemas.microsoft.com/office/drawing/2014/main" val="689902988"/>
+                  </a:ext>
+                </a:extLst>
+              </a:tr>
+              <a:tr h="365760">
+                <a:tc>
+                  <a:txBody>
+                    <a:bodyPr/>
+                    <a:lstStyle/>
+                    <a:p>
+                      <a:pPr algn="ctr"/>
+                      <a:r>
+                        <a:rPr lang="en-US" sz="2000"/>
+                        <a:t>4</a:t>
+                      </a:r>
+                    </a:p>
+                  </a:txBody>
+                  <a:tcPr anchor="ctr"/>
+                </a:tc>
+                <a:tc>
+                  <a:txBody>
+                    <a:bodyPr/>
+                    <a:lstStyle/>
+                    <a:p>
+                      <a:pPr algn="ctr"/>
+                      <a:r>
+                        <a:rPr lang="en-US" sz="2000"/>
+                        <a:t>3/36 (8.333%)</a:t>
+                      </a:r>
+                    </a:p>
+                  </a:txBody>
+                  <a:tcPr anchor="ctr"/>
+                </a:tc>
+                <a:extLst>
+                  <a:ext uri="{0D108BD9-81ED-4DB2-BD59-A6C34878D82A}">
+                    <a16:rowId xmlns:a16="http://schemas.microsoft.com/office/drawing/2014/main" val="3562066705"/>
+                  </a:ext>
+                </a:extLst>
+              </a:tr>
+              <a:tr h="365760">
+                <a:tc>
+                  <a:txBody>
+                    <a:bodyPr/>
+                    <a:lstStyle/>
+                    <a:p>
+                      <a:pPr algn="ctr"/>
+                      <a:r>
+                        <a:rPr lang="en-US" sz="2000"/>
+                        <a:t>5</a:t>
+                      </a:r>
+                    </a:p>
+                  </a:txBody>
+                  <a:tcPr anchor="ctr"/>
+                </a:tc>
+                <a:tc>
+                  <a:txBody>
+                    <a:bodyPr/>
+                    <a:lstStyle/>
+                    <a:p>
+                      <a:pPr algn="ctr"/>
+                      <a:r>
+                        <a:rPr lang="en-US" sz="2000"/>
+                        <a:t>4/36 (11.111%)</a:t>
+                      </a:r>
+                    </a:p>
+                  </a:txBody>
+                  <a:tcPr anchor="ctr"/>
+                </a:tc>
+                <a:extLst>
+                  <a:ext uri="{0D108BD9-81ED-4DB2-BD59-A6C34878D82A}">
+                    <a16:rowId xmlns:a16="http://schemas.microsoft.com/office/drawing/2014/main" val="4054429538"/>
+                  </a:ext>
+                </a:extLst>
+              </a:tr>
+              <a:tr h="365760">
+                <a:tc>
+                  <a:txBody>
+                    <a:bodyPr/>
+                    <a:lstStyle/>
+                    <a:p>
+                      <a:pPr algn="ctr"/>
+                      <a:r>
+                        <a:rPr lang="en-US" sz="2000"/>
+                        <a:t>6</a:t>
+                      </a:r>
+                    </a:p>
+                  </a:txBody>
+                  <a:tcPr anchor="ctr"/>
+                </a:tc>
+                <a:tc>
+                  <a:txBody>
+                    <a:bodyPr/>
+                    <a:lstStyle/>
+                    <a:p>
+                      <a:pPr algn="ctr"/>
+                      <a:r>
+                        <a:rPr lang="en-US" sz="2000"/>
+                        <a:t>5/36 (13.889%)</a:t>
+                      </a:r>
+                    </a:p>
+                  </a:txBody>
+                  <a:tcPr anchor="ctr"/>
+                </a:tc>
+                <a:extLst>
+                  <a:ext uri="{0D108BD9-81ED-4DB2-BD59-A6C34878D82A}">
+                    <a16:rowId xmlns:a16="http://schemas.microsoft.com/office/drawing/2014/main" val="418488759"/>
+                  </a:ext>
+                </a:extLst>
+              </a:tr>
+              <a:tr h="365760">
+                <a:tc>
+                  <a:txBody>
+                    <a:bodyPr/>
+                    <a:lstStyle/>
+                    <a:p>
+                      <a:pPr algn="ctr"/>
+                      <a:r>
+                        <a:rPr lang="en-US" sz="2000"/>
+                        <a:t>7</a:t>
+                      </a:r>
+                    </a:p>
+                  </a:txBody>
+                  <a:tcPr anchor="ctr"/>
+                </a:tc>
+                <a:tc>
+                  <a:txBody>
+                    <a:bodyPr/>
+                    <a:lstStyle/>
+                    <a:p>
+                      <a:pPr algn="ctr"/>
+                      <a:r>
+                        <a:rPr lang="en-US" sz="2000"/>
+                        <a:t>6/36 (16.667%)</a:t>
+                      </a:r>
+                    </a:p>
+                  </a:txBody>
+                  <a:tcPr anchor="ctr"/>
+                </a:tc>
+                <a:extLst>
+                  <a:ext uri="{0D108BD9-81ED-4DB2-BD59-A6C34878D82A}">
+                    <a16:rowId xmlns:a16="http://schemas.microsoft.com/office/drawing/2014/main" val="1591396603"/>
+                  </a:ext>
+                </a:extLst>
+              </a:tr>
+              <a:tr h="365760">
+                <a:tc>
+                  <a:txBody>
+                    <a:bodyPr/>
+                    <a:lstStyle/>
+                    <a:p>
+                      <a:pPr algn="ctr"/>
+                      <a:r>
+                        <a:rPr lang="en-US" sz="2000"/>
+                        <a:t>8</a:t>
+                      </a:r>
+                    </a:p>
+                  </a:txBody>
+                  <a:tcPr anchor="ctr"/>
+                </a:tc>
+                <a:tc>
+                  <a:txBody>
+                    <a:bodyPr/>
+                    <a:lstStyle/>
+                    <a:p>
+                      <a:pPr algn="ctr"/>
+                      <a:r>
+                        <a:rPr lang="en-US" sz="2000"/>
+                        <a:t>5/36 (13.889%)</a:t>
+                      </a:r>
+                    </a:p>
+                  </a:txBody>
+                  <a:tcPr anchor="ctr"/>
+                </a:tc>
+                <a:extLst>
+                  <a:ext uri="{0D108BD9-81ED-4DB2-BD59-A6C34878D82A}">
+                    <a16:rowId xmlns:a16="http://schemas.microsoft.com/office/drawing/2014/main" val="861287739"/>
+                  </a:ext>
+                </a:extLst>
+              </a:tr>
+              <a:tr h="365760">
+                <a:tc>
+                  <a:txBody>
+                    <a:bodyPr/>
+                    <a:lstStyle/>
+                    <a:p>
+                      <a:pPr algn="ctr"/>
+                      <a:r>
+                        <a:rPr lang="en-US" sz="2000" dirty="0"/>
+                        <a:t>9</a:t>
+                      </a:r>
+                    </a:p>
+                  </a:txBody>
+                  <a:tcPr anchor="ctr"/>
+                </a:tc>
+                <a:tc>
+                  <a:txBody>
+                    <a:bodyPr/>
+                    <a:lstStyle/>
+                    <a:p>
+                      <a:pPr algn="ctr"/>
+                      <a:r>
+                        <a:rPr lang="en-US" sz="2000"/>
+                        <a:t>4/36 (11.111%)</a:t>
+                      </a:r>
+                    </a:p>
+                  </a:txBody>
+                  <a:tcPr anchor="ctr"/>
+                </a:tc>
+                <a:extLst>
+                  <a:ext uri="{0D108BD9-81ED-4DB2-BD59-A6C34878D82A}">
+                    <a16:rowId xmlns:a16="http://schemas.microsoft.com/office/drawing/2014/main" val="3029630488"/>
+                  </a:ext>
+                </a:extLst>
+              </a:tr>
+              <a:tr h="365760">
+                <a:tc>
+                  <a:txBody>
+                    <a:bodyPr/>
+                    <a:lstStyle/>
+                    <a:p>
+                      <a:pPr algn="ctr"/>
+                      <a:r>
+                        <a:rPr lang="en-US" sz="2000"/>
+                        <a:t>10</a:t>
+                      </a:r>
+                    </a:p>
+                  </a:txBody>
+                  <a:tcPr anchor="ctr"/>
+                </a:tc>
+                <a:tc>
+                  <a:txBody>
+                    <a:bodyPr/>
+                    <a:lstStyle/>
+                    <a:p>
+                      <a:pPr algn="ctr"/>
+                      <a:r>
+                        <a:rPr lang="en-US" sz="2000"/>
+                        <a:t>3/36 (8.333%)</a:t>
+                      </a:r>
+                    </a:p>
+                  </a:txBody>
+                  <a:tcPr anchor="ctr"/>
+                </a:tc>
+                <a:extLst>
+                  <a:ext uri="{0D108BD9-81ED-4DB2-BD59-A6C34878D82A}">
+                    <a16:rowId xmlns:a16="http://schemas.microsoft.com/office/drawing/2014/main" val="1039692953"/>
+                  </a:ext>
+                </a:extLst>
+              </a:tr>
+              <a:tr h="365760">
+                <a:tc>
+                  <a:txBody>
+                    <a:bodyPr/>
+                    <a:lstStyle/>
+                    <a:p>
+                      <a:pPr algn="ctr"/>
+                      <a:r>
+                        <a:rPr lang="en-US" sz="2000"/>
+                        <a:t>11</a:t>
+                      </a:r>
+                    </a:p>
+                  </a:txBody>
+                  <a:tcPr anchor="ctr"/>
+                </a:tc>
+                <a:tc>
+                  <a:txBody>
+                    <a:bodyPr/>
+                    <a:lstStyle/>
+                    <a:p>
+                      <a:pPr algn="ctr"/>
+                      <a:r>
+                        <a:rPr lang="en-US" sz="2000"/>
+                        <a:t>2/36 (5.556%)</a:t>
+                      </a:r>
+                    </a:p>
+                  </a:txBody>
+                  <a:tcPr anchor="ctr"/>
+                </a:tc>
+                <a:extLst>
+                  <a:ext uri="{0D108BD9-81ED-4DB2-BD59-A6C34878D82A}">
+                    <a16:rowId xmlns:a16="http://schemas.microsoft.com/office/drawing/2014/main" val="2892308324"/>
+                  </a:ext>
+                </a:extLst>
+              </a:tr>
+              <a:tr h="365760">
+                <a:tc>
+                  <a:txBody>
+                    <a:bodyPr/>
+                    <a:lstStyle/>
+                    <a:p>
+                      <a:pPr algn="ctr"/>
+                      <a:r>
+                        <a:rPr lang="en-US" sz="2000"/>
+                        <a:t>12</a:t>
+                      </a:r>
+                    </a:p>
+                  </a:txBody>
+                  <a:tcPr anchor="ctr"/>
+                </a:tc>
+                <a:tc>
+                  <a:txBody>
+                    <a:bodyPr/>
+                    <a:lstStyle/>
+                    <a:p>
+                      <a:pPr algn="ctr"/>
+                      <a:r>
+                        <a:rPr lang="en-US" sz="2000" dirty="0"/>
+                        <a:t>1/36 (2.778%)</a:t>
+                      </a:r>
+                    </a:p>
+                  </a:txBody>
+                  <a:tcPr anchor="ctr"/>
+                </a:tc>
+                <a:extLst>
+                  <a:ext uri="{0D108BD9-81ED-4DB2-BD59-A6C34878D82A}">
+                    <a16:rowId xmlns:a16="http://schemas.microsoft.com/office/drawing/2014/main" val="3979184758"/>
+                  </a:ext>
+                </a:extLst>
+              </a:tr>
+            </a:tbl>
+          </a:graphicData>
+        </a:graphic>
+      </p:graphicFrame>
+      <p:sp>
+        <p:nvSpPr>
+          <p:cNvPr id="3" name="Rectangle 2">
+            <a:extLst>
+              <a:ext uri="{FF2B5EF4-FFF2-40B4-BE49-F238E27FC236}">
+                <a16:creationId xmlns:a16="http://schemas.microsoft.com/office/drawing/2014/main" id="{349CA545-28BE-4027-A8A4-D335A4E20F0E}"/>
+              </a:ext>
+            </a:extLst>
+          </p:cNvPr>
+          <p:cNvSpPr/>
+          <p:nvPr/>
+        </p:nvSpPr>
+        <p:spPr>
+          <a:xfrm>
+            <a:off x="7212611" y="82823"/>
+            <a:ext cx="3467616" cy="523220"/>
+          </a:xfrm>
+          <a:prstGeom prst="rect">
+            <a:avLst/>
+          </a:prstGeom>
+        </p:spPr>
+        <p:txBody>
+          <a:bodyPr wrap="none">
+            <a:spAutoFit/>
+          </a:bodyPr>
+          <a:lstStyle/>
+          <a:p>
+            <a:r>
               <a:rPr lang="en-US" sz="2800" dirty="0">
                 <a:sym typeface="Arial"/>
               </a:rPr>
-              <a:t>e = 2.71828</a:t>
-            </a:r>
-          </a:p>
-        </p:txBody>
-      </p:sp>
-      <p:sp>
-        <p:nvSpPr>
-          <p:cNvPr id="16" name="Shape 311">
+              <a:t>Dice roll probabilities</a:t>
+            </a:r>
+            <a:endParaRPr lang="en-US" sz="2800" dirty="0"/>
+          </a:p>
+        </p:txBody>
+      </p:sp>
+      <p:sp>
+        <p:nvSpPr>
+          <p:cNvPr id="5" name="Rectangle 4">
             <a:extLst>
               <a:ext uri="{FF2B5EF4-FFF2-40B4-BE49-F238E27FC236}">
-                <a16:creationId xmlns:a16="http://schemas.microsoft.com/office/drawing/2014/main" id="{18CA9C8D-783C-42AA-82C4-2EF1CCC5FE3D}"/>
+                <a16:creationId xmlns:a16="http://schemas.microsoft.com/office/drawing/2014/main" id="{E2F5E812-A9B2-4F5C-87EA-7EC4E01EAF01}"/>
               </a:ext>
             </a:extLst>
           </p:cNvPr>
-          <p:cNvSpPr txBox="1"/>
+          <p:cNvSpPr/>
           <p:nvPr/>
         </p:nvSpPr>
         <p:spPr>
           <a:xfrm>
-            <a:off x="1261515" y="4548500"/>
-            <a:ext cx="6324600" cy="1815881"/>
+            <a:off x="804785" y="5219365"/>
+            <a:ext cx="9005040" cy="954107"/>
           </a:xfrm>
           <a:prstGeom prst="rect">
             <a:avLst/>
           </a:prstGeom>
-          <a:noFill/>
-          <a:ln>
-            <a:noFill/>
-          </a:ln>
-        </p:spPr>
-        <p:txBody>
-          <a:bodyPr lIns="91425" tIns="45700" rIns="91425" bIns="45700" anchor="t" anchorCtr="0">
-            <a:noAutofit/>
+        </p:spPr>
+        <p:txBody>
+          <a:bodyPr wrap="square">
+            <a:spAutoFit/>
           </a:bodyPr>
           <a:lstStyle/>
           <a:p>
-            <a:pPr marL="0" marR="0" lvl="0" indent="0" algn="l" rtl="0">
-              <a:spcBef>
-                <a:spcPts val="0"/>
-              </a:spcBef>
+            <a:pPr lvl="0">
               <a:buSzPct val="25000"/>
-              <a:buNone/>
             </a:pPr>
             <a:r>
               <a:rPr lang="en-US" sz="2800" dirty="0">
                 <a:sym typeface="Arial"/>
               </a:rPr>
-              <a:t>Given that Georgia has an average of 21 tornadoes per year, what is the probability of a given year having exactly 15 tornadoes?</a:t>
+              <a:t>What’s the probability that you will roll a 4 or less </a:t>
+            </a:r>
+            <a:r>
+              <a:rPr lang="en-US" sz="2800" b="1" u="sng" dirty="0">
+                <a:sym typeface="Arial"/>
+              </a:rPr>
+              <a:t>zero, one, or two times</a:t>
+            </a:r>
+            <a:r>
+              <a:rPr lang="en-US" sz="2800" dirty="0">
+                <a:sym typeface="Arial"/>
+              </a:rPr>
+              <a:t> in 3 rolls?</a:t>
             </a:r>
           </a:p>
         </p:txBody>
@@ -10012,7 +10127,7 @@
     </p:spTree>
     <p:extLst>
       <p:ext uri="{BB962C8B-B14F-4D97-AF65-F5344CB8AC3E}">
-        <p14:creationId xmlns:p14="http://schemas.microsoft.com/office/powerpoint/2010/main" val="1206059378"/>
+        <p14:creationId xmlns:p14="http://schemas.microsoft.com/office/powerpoint/2010/main" val="2118882880"/>
       </p:ext>
     </p:extLst>
   </p:cSld>
